--- a/Project_powerpoint/Tog_demo.pptx
+++ b/Project_powerpoint/Tog_demo.pptx
@@ -9,8 +9,9 @@
     <p:sldId id="257" r:id="rId3"/>
     <p:sldId id="258" r:id="rId4"/>
     <p:sldId id="260" r:id="rId5"/>
-    <p:sldId id="261" r:id="rId6"/>
-    <p:sldId id="262" r:id="rId7"/>
+    <p:sldId id="263" r:id="rId6"/>
+    <p:sldId id="261" r:id="rId7"/>
+    <p:sldId id="262" r:id="rId8"/>
   </p:sldIdLst>
   <p:sldSz cx="12192000" cy="6858000"/>
   <p:notesSz cx="6858000" cy="9144000"/>
@@ -130,7 +131,7 @@
   <pc:docChgLst>
     <pc:chgData name="liujason2003@gmail.com" userId="02c8aa0408dae3d2" providerId="LiveId" clId="{B0B47A0F-7824-4E5D-BE33-54617A765630}"/>
     <pc:docChg chg="undo custSel addSld delSld modSld">
-      <pc:chgData name="liujason2003@gmail.com" userId="02c8aa0408dae3d2" providerId="LiveId" clId="{B0B47A0F-7824-4E5D-BE33-54617A765630}" dt="2022-06-06T15:20:39.305" v="626" actId="47"/>
+      <pc:chgData name="liujason2003@gmail.com" userId="02c8aa0408dae3d2" providerId="LiveId" clId="{B0B47A0F-7824-4E5D-BE33-54617A765630}" dt="2022-06-07T15:28:08.331" v="640" actId="20577"/>
       <pc:docMkLst>
         <pc:docMk/>
       </pc:docMkLst>
@@ -1043,6 +1044,21 @@
             <pc:docMk/>
             <pc:sldMk cId="177507636" sldId="263"/>
             <ac:spMk id="2" creationId="{F9348965-BA91-49FA-B599-5F4DCE7BD225}"/>
+          </ac:spMkLst>
+        </pc:spChg>
+      </pc:sldChg>
+      <pc:sldChg chg="modSp new mod">
+        <pc:chgData name="liujason2003@gmail.com" userId="02c8aa0408dae3d2" providerId="LiveId" clId="{B0B47A0F-7824-4E5D-BE33-54617A765630}" dt="2022-06-07T15:28:08.331" v="640" actId="20577"/>
+        <pc:sldMkLst>
+          <pc:docMk/>
+          <pc:sldMk cId="3277994417" sldId="263"/>
+        </pc:sldMkLst>
+        <pc:spChg chg="mod">
+          <ac:chgData name="liujason2003@gmail.com" userId="02c8aa0408dae3d2" providerId="LiveId" clId="{B0B47A0F-7824-4E5D-BE33-54617A765630}" dt="2022-06-07T15:28:08.331" v="640" actId="20577"/>
+          <ac:spMkLst>
+            <pc:docMk/>
+            <pc:sldMk cId="3277994417" sldId="263"/>
+            <ac:spMk id="2" creationId="{D836489C-C42C-4897-BCEE-0AD9CB7F53EC}"/>
           </ac:spMkLst>
         </pc:spChg>
       </pc:sldChg>
@@ -7428,7 +7444,7 @@
           <a:p>
             <a:fld id="{AE3425CA-4B9D-4420-BB9E-C250DB30E421}" type="datetime1">
               <a:rPr lang="en-US" smtClean="0"/>
-              <a:t>6/6/2022</a:t>
+              <a:t>6/7/2022</a:t>
             </a:fld>
             <a:endParaRPr lang="en-US"/>
           </a:p>
@@ -7669,7 +7685,7 @@
           <a:p>
             <a:fld id="{6A14B861-3779-4E37-8DF0-E9EB3EA96210}" type="datetime1">
               <a:rPr lang="en-US" smtClean="0"/>
-              <a:t>6/6/2022</a:t>
+              <a:t>6/7/2022</a:t>
             </a:fld>
             <a:endParaRPr lang="en-US"/>
           </a:p>
@@ -7879,7 +7895,7 @@
           <a:p>
             <a:fld id="{53E38388-E864-4553-9937-AE9FC5E50CFC}" type="datetime1">
               <a:rPr lang="en-US" smtClean="0"/>
-              <a:t>6/6/2022</a:t>
+              <a:t>6/7/2022</a:t>
             </a:fld>
             <a:endParaRPr lang="en-US"/>
           </a:p>
@@ -8078,7 +8094,7 @@
           <a:p>
             <a:fld id="{62751E1E-C50D-4FD4-8B1E-ECD78340D9AB}" type="datetime1">
               <a:rPr lang="en-US" smtClean="0"/>
-              <a:t>6/6/2022</a:t>
+              <a:t>6/7/2022</a:t>
             </a:fld>
             <a:endParaRPr lang="en-US"/>
           </a:p>
@@ -8366,7 +8382,7 @@
           <a:p>
             <a:fld id="{43C83AFB-9E54-459E-8C6D-0913AC3BA5D7}" type="datetime1">
               <a:rPr lang="en-US" smtClean="0"/>
-              <a:t>6/6/2022</a:t>
+              <a:t>6/7/2022</a:t>
             </a:fld>
             <a:endParaRPr lang="en-US"/>
           </a:p>
@@ -8682,7 +8698,7 @@
           <a:p>
             <a:fld id="{F10144B6-0CA7-46BA-A00B-1E68E5C3ED0C}" type="datetime1">
               <a:rPr lang="en-US" smtClean="0"/>
-              <a:t>6/6/2022</a:t>
+              <a:t>6/7/2022</a:t>
             </a:fld>
             <a:endParaRPr lang="en-US"/>
           </a:p>
@@ -9214,7 +9230,7 @@
           <a:p>
             <a:fld id="{0051F549-537C-41EC-B9CC-5B6A9AC2A6A7}" type="datetime1">
               <a:rPr lang="en-US" smtClean="0"/>
-              <a:t>6/6/2022</a:t>
+              <a:t>6/7/2022</a:t>
             </a:fld>
             <a:endParaRPr lang="en-US"/>
           </a:p>
@@ -9441,7 +9457,7 @@
           <a:p>
             <a:fld id="{952F8D56-3D0E-48B8-8218-1F3A06A96C62}" type="datetime1">
               <a:rPr lang="en-US" smtClean="0"/>
-              <a:t>6/6/2022</a:t>
+              <a:t>6/7/2022</a:t>
             </a:fld>
             <a:endParaRPr lang="en-US"/>
           </a:p>
@@ -9554,7 +9570,7 @@
           <a:p>
             <a:fld id="{E8EC309E-27D4-401F-A74A-DEA16C7B51DC}" type="datetime1">
               <a:rPr lang="en-US" smtClean="0"/>
-              <a:t>6/6/2022</a:t>
+              <a:t>6/7/2022</a:t>
             </a:fld>
             <a:endParaRPr lang="en-US"/>
           </a:p>
@@ -9880,7 +9896,7 @@
           <a:p>
             <a:fld id="{6DEA2B81-2BC3-42D7-B67D-05C685AA80AD}" type="datetime1">
               <a:rPr lang="en-US" smtClean="0"/>
-              <a:t>6/6/2022</a:t>
+              <a:t>6/7/2022</a:t>
             </a:fld>
             <a:endParaRPr lang="en-US"/>
           </a:p>
@@ -10198,7 +10214,7 @@
           <a:p>
             <a:fld id="{F0DB8F2B-E487-4905-B553-FB649F2B6F23}" type="datetime1">
               <a:rPr lang="en-US" smtClean="0"/>
-              <a:t>6/6/2022</a:t>
+              <a:t>6/7/2022</a:t>
             </a:fld>
             <a:endParaRPr lang="en-US"/>
           </a:p>
@@ -10441,7 +10457,7 @@
           <a:p>
             <a:fld id="{6EF7C3A7-D6F6-4D38-A7C3-B72967BB81A6}" type="datetime1">
               <a:rPr lang="en-US" smtClean="0"/>
-              <a:t>6/6/2022</a:t>
+              <a:t>6/7/2022</a:t>
             </a:fld>
             <a:endParaRPr lang="en-US"/>
           </a:p>
@@ -12948,6 +12964,90 @@
 <file path=ppt/slides/slide5.xml><?xml version="1.0" encoding="utf-8"?>
 <p:sld xmlns:a="http://schemas.openxmlformats.org/drawingml/2006/main" xmlns:r="http://schemas.openxmlformats.org/officeDocument/2006/relationships" xmlns:p="http://schemas.openxmlformats.org/presentationml/2006/main">
   <p:cSld>
+    <p:spTree>
+      <p:nvGrpSpPr>
+        <p:cNvPr id="1" name=""/>
+        <p:cNvGrpSpPr/>
+        <p:nvPr/>
+      </p:nvGrpSpPr>
+      <p:grpSpPr>
+        <a:xfrm>
+          <a:off x="0" y="0"/>
+          <a:ext cx="0" cy="0"/>
+          <a:chOff x="0" y="0"/>
+          <a:chExt cx="0" cy="0"/>
+        </a:xfrm>
+      </p:grpSpPr>
+      <p:sp>
+        <p:nvSpPr>
+          <p:cNvPr id="2" name="Title 1">
+            <a:extLst>
+              <a:ext uri="{FF2B5EF4-FFF2-40B4-BE49-F238E27FC236}">
+                <a16:creationId xmlns:a16="http://schemas.microsoft.com/office/drawing/2014/main" id="{D836489C-C42C-4897-BCEE-0AD9CB7F53EC}"/>
+              </a:ext>
+            </a:extLst>
+          </p:cNvPr>
+          <p:cNvSpPr>
+            <a:spLocks noGrp="1"/>
+          </p:cNvSpPr>
+          <p:nvPr>
+            <p:ph type="title"/>
+          </p:nvPr>
+        </p:nvSpPr>
+        <p:spPr/>
+        <p:txBody>
+          <a:bodyPr/>
+          <a:lstStyle/>
+          <a:p>
+            <a:r>
+              <a:rPr lang="en-GB" dirty="0" err="1"/>
+              <a:t>Implementatie</a:t>
+            </a:r>
+            <a:endParaRPr lang="en-BE" dirty="0"/>
+          </a:p>
+        </p:txBody>
+      </p:sp>
+      <p:sp>
+        <p:nvSpPr>
+          <p:cNvPr id="3" name="Content Placeholder 2">
+            <a:extLst>
+              <a:ext uri="{FF2B5EF4-FFF2-40B4-BE49-F238E27FC236}">
+                <a16:creationId xmlns:a16="http://schemas.microsoft.com/office/drawing/2014/main" id="{5744AF03-91E1-44A9-BD34-EDF82BEF6807}"/>
+              </a:ext>
+            </a:extLst>
+          </p:cNvPr>
+          <p:cNvSpPr>
+            <a:spLocks noGrp="1"/>
+          </p:cNvSpPr>
+          <p:nvPr>
+            <p:ph idx="1"/>
+          </p:nvPr>
+        </p:nvSpPr>
+        <p:spPr/>
+        <p:txBody>
+          <a:bodyPr/>
+          <a:lstStyle/>
+          <a:p>
+            <a:endParaRPr lang="en-BE" dirty="0"/>
+          </a:p>
+        </p:txBody>
+      </p:sp>
+    </p:spTree>
+    <p:extLst>
+      <p:ext uri="{BB962C8B-B14F-4D97-AF65-F5344CB8AC3E}">
+        <p14:creationId xmlns:p14="http://schemas.microsoft.com/office/powerpoint/2010/main" val="3277994417"/>
+      </p:ext>
+    </p:extLst>
+  </p:cSld>
+  <p:clrMapOvr>
+    <a:masterClrMapping/>
+  </p:clrMapOvr>
+</p:sld>
+</file>
+
+<file path=ppt/slides/slide6.xml><?xml version="1.0" encoding="utf-8"?>
+<p:sld xmlns:a="http://schemas.openxmlformats.org/drawingml/2006/main" xmlns:r="http://schemas.openxmlformats.org/officeDocument/2006/relationships" xmlns:p="http://schemas.openxmlformats.org/presentationml/2006/main">
+  <p:cSld>
     <p:bg>
       <p:bgPr>
         <a:solidFill>
@@ -13607,7 +13707,7 @@
 </p:sld>
 </file>
 
-<file path=ppt/slides/slide6.xml><?xml version="1.0" encoding="utf-8"?>
+<file path=ppt/slides/slide7.xml><?xml version="1.0" encoding="utf-8"?>
 <p:sld xmlns:a="http://schemas.openxmlformats.org/drawingml/2006/main" xmlns:r="http://schemas.openxmlformats.org/officeDocument/2006/relationships" xmlns:p="http://schemas.openxmlformats.org/presentationml/2006/main">
   <p:cSld>
     <p:bg>

--- a/Project_powerpoint/Tog_demo.pptx
+++ b/Project_powerpoint/Tog_demo.pptx
@@ -131,7 +131,7 @@
   <pc:docChgLst>
     <pc:chgData name="liujason2003@gmail.com" userId="02c8aa0408dae3d2" providerId="LiveId" clId="{B0B47A0F-7824-4E5D-BE33-54617A765630}"/>
     <pc:docChg chg="undo custSel addSld delSld modSld">
-      <pc:chgData name="liujason2003@gmail.com" userId="02c8aa0408dae3d2" providerId="LiveId" clId="{B0B47A0F-7824-4E5D-BE33-54617A765630}" dt="2022-06-07T15:28:08.331" v="640" actId="20577"/>
+      <pc:chgData name="liujason2003@gmail.com" userId="02c8aa0408dae3d2" providerId="LiveId" clId="{B0B47A0F-7824-4E5D-BE33-54617A765630}" dt="2022-06-07T16:36:04.462" v="1164" actId="26606"/>
       <pc:docMkLst>
         <pc:docMk/>
       </pc:docMkLst>
@@ -1047,20 +1047,116 @@
           </ac:spMkLst>
         </pc:spChg>
       </pc:sldChg>
-      <pc:sldChg chg="modSp new mod">
-        <pc:chgData name="liujason2003@gmail.com" userId="02c8aa0408dae3d2" providerId="LiveId" clId="{B0B47A0F-7824-4E5D-BE33-54617A765630}" dt="2022-06-07T15:28:08.331" v="640" actId="20577"/>
+      <pc:sldChg chg="addSp delSp modSp new mod setBg">
+        <pc:chgData name="liujason2003@gmail.com" userId="02c8aa0408dae3d2" providerId="LiveId" clId="{B0B47A0F-7824-4E5D-BE33-54617A765630}" dt="2022-06-07T16:36:04.462" v="1164" actId="26606"/>
         <pc:sldMkLst>
           <pc:docMk/>
           <pc:sldMk cId="3277994417" sldId="263"/>
         </pc:sldMkLst>
         <pc:spChg chg="mod">
-          <ac:chgData name="liujason2003@gmail.com" userId="02c8aa0408dae3d2" providerId="LiveId" clId="{B0B47A0F-7824-4E5D-BE33-54617A765630}" dt="2022-06-07T15:28:08.331" v="640" actId="20577"/>
+          <ac:chgData name="liujason2003@gmail.com" userId="02c8aa0408dae3d2" providerId="LiveId" clId="{B0B47A0F-7824-4E5D-BE33-54617A765630}" dt="2022-06-07T16:36:04.462" v="1164" actId="26606"/>
           <ac:spMkLst>
             <pc:docMk/>
             <pc:sldMk cId="3277994417" sldId="263"/>
             <ac:spMk id="2" creationId="{D836489C-C42C-4897-BCEE-0AD9CB7F53EC}"/>
           </ac:spMkLst>
         </pc:spChg>
+        <pc:spChg chg="add del mod">
+          <ac:chgData name="liujason2003@gmail.com" userId="02c8aa0408dae3d2" providerId="LiveId" clId="{B0B47A0F-7824-4E5D-BE33-54617A765630}" dt="2022-06-07T16:36:04.462" v="1164" actId="26606"/>
+          <ac:spMkLst>
+            <pc:docMk/>
+            <pc:sldMk cId="3277994417" sldId="263"/>
+            <ac:spMk id="3" creationId="{5744AF03-91E1-44A9-BD34-EDF82BEF6807}"/>
+          </ac:spMkLst>
+        </pc:spChg>
+        <pc:spChg chg="add del">
+          <ac:chgData name="liujason2003@gmail.com" userId="02c8aa0408dae3d2" providerId="LiveId" clId="{B0B47A0F-7824-4E5D-BE33-54617A765630}" dt="2022-06-07T16:36:04.431" v="1163" actId="26606"/>
+          <ac:spMkLst>
+            <pc:docMk/>
+            <pc:sldMk cId="3277994417" sldId="263"/>
+            <ac:spMk id="9" creationId="{B937640E-EF7A-4A6C-A950-D12B7D5C923E}"/>
+          </ac:spMkLst>
+        </pc:spChg>
+        <pc:spChg chg="add del">
+          <ac:chgData name="liujason2003@gmail.com" userId="02c8aa0408dae3d2" providerId="LiveId" clId="{B0B47A0F-7824-4E5D-BE33-54617A765630}" dt="2022-06-07T16:36:04.431" v="1163" actId="26606"/>
+          <ac:spMkLst>
+            <pc:docMk/>
+            <pc:sldMk cId="3277994417" sldId="263"/>
+            <ac:spMk id="11" creationId="{8B3D301E-EEB6-4474-BFB1-FCD7A1F30371}"/>
+          </ac:spMkLst>
+        </pc:spChg>
+        <pc:spChg chg="add">
+          <ac:chgData name="liujason2003@gmail.com" userId="02c8aa0408dae3d2" providerId="LiveId" clId="{B0B47A0F-7824-4E5D-BE33-54617A765630}" dt="2022-06-07T16:36:04.462" v="1164" actId="26606"/>
+          <ac:spMkLst>
+            <pc:docMk/>
+            <pc:sldMk cId="3277994417" sldId="263"/>
+            <ac:spMk id="19" creationId="{B937640E-EF7A-4A6C-A950-D12B7D5C923E}"/>
+          </ac:spMkLst>
+        </pc:spChg>
+        <pc:spChg chg="add">
+          <ac:chgData name="liujason2003@gmail.com" userId="02c8aa0408dae3d2" providerId="LiveId" clId="{B0B47A0F-7824-4E5D-BE33-54617A765630}" dt="2022-06-07T16:36:04.462" v="1164" actId="26606"/>
+          <ac:spMkLst>
+            <pc:docMk/>
+            <pc:sldMk cId="3277994417" sldId="263"/>
+            <ac:spMk id="20" creationId="{8B3D301E-EEB6-4474-BFB1-FCD7A1F30371}"/>
+          </ac:spMkLst>
+        </pc:spChg>
+        <pc:graphicFrameChg chg="add del">
+          <ac:chgData name="liujason2003@gmail.com" userId="02c8aa0408dae3d2" providerId="LiveId" clId="{B0B47A0F-7824-4E5D-BE33-54617A765630}" dt="2022-06-07T16:36:04.431" v="1163" actId="26606"/>
+          <ac:graphicFrameMkLst>
+            <pc:docMk/>
+            <pc:sldMk cId="3277994417" sldId="263"/>
+            <ac:graphicFrameMk id="5" creationId="{C6C8A170-2CBB-A6B0-CB58-3F34F5CE1767}"/>
+          </ac:graphicFrameMkLst>
+        </pc:graphicFrameChg>
+        <pc:graphicFrameChg chg="add">
+          <ac:chgData name="liujason2003@gmail.com" userId="02c8aa0408dae3d2" providerId="LiveId" clId="{B0B47A0F-7824-4E5D-BE33-54617A765630}" dt="2022-06-07T16:36:04.462" v="1164" actId="26606"/>
+          <ac:graphicFrameMkLst>
+            <pc:docMk/>
+            <pc:sldMk cId="3277994417" sldId="263"/>
+            <ac:graphicFrameMk id="23" creationId="{3EFB4FA4-DD06-B942-F054-79E2860C798E}"/>
+          </ac:graphicFrameMkLst>
+        </pc:graphicFrameChg>
+        <pc:cxnChg chg="add del">
+          <ac:chgData name="liujason2003@gmail.com" userId="02c8aa0408dae3d2" providerId="LiveId" clId="{B0B47A0F-7824-4E5D-BE33-54617A765630}" dt="2022-06-07T16:36:04.431" v="1163" actId="26606"/>
+          <ac:cxnSpMkLst>
+            <pc:docMk/>
+            <pc:sldMk cId="3277994417" sldId="263"/>
+            <ac:cxnSpMk id="13" creationId="{85F2753B-199B-4FF0-838F-41E8D058E953}"/>
+          </ac:cxnSpMkLst>
+        </pc:cxnChg>
+        <pc:cxnChg chg="add del">
+          <ac:chgData name="liujason2003@gmail.com" userId="02c8aa0408dae3d2" providerId="LiveId" clId="{B0B47A0F-7824-4E5D-BE33-54617A765630}" dt="2022-06-07T16:36:04.431" v="1163" actId="26606"/>
+          <ac:cxnSpMkLst>
+            <pc:docMk/>
+            <pc:sldMk cId="3277994417" sldId="263"/>
+            <ac:cxnSpMk id="15" creationId="{E604AB19-8820-4859-AA1B-09DD1F3E8B7D}"/>
+          </ac:cxnSpMkLst>
+        </pc:cxnChg>
+        <pc:cxnChg chg="add del">
+          <ac:chgData name="liujason2003@gmail.com" userId="02c8aa0408dae3d2" providerId="LiveId" clId="{B0B47A0F-7824-4E5D-BE33-54617A765630}" dt="2022-06-07T16:36:04.431" v="1163" actId="26606"/>
+          <ac:cxnSpMkLst>
+            <pc:docMk/>
+            <pc:sldMk cId="3277994417" sldId="263"/>
+            <ac:cxnSpMk id="17" creationId="{B0BDEAB7-0E83-4F55-90F4-098569F5A573}"/>
+          </ac:cxnSpMkLst>
+        </pc:cxnChg>
+        <pc:cxnChg chg="add">
+          <ac:chgData name="liujason2003@gmail.com" userId="02c8aa0408dae3d2" providerId="LiveId" clId="{B0B47A0F-7824-4E5D-BE33-54617A765630}" dt="2022-06-07T16:36:04.462" v="1164" actId="26606"/>
+          <ac:cxnSpMkLst>
+            <pc:docMk/>
+            <pc:sldMk cId="3277994417" sldId="263"/>
+            <ac:cxnSpMk id="21" creationId="{85F2753B-199B-4FF0-838F-41E8D058E953}"/>
+          </ac:cxnSpMkLst>
+        </pc:cxnChg>
+        <pc:cxnChg chg="add">
+          <ac:chgData name="liujason2003@gmail.com" userId="02c8aa0408dae3d2" providerId="LiveId" clId="{B0B47A0F-7824-4E5D-BE33-54617A765630}" dt="2022-06-07T16:36:04.462" v="1164" actId="26606"/>
+          <ac:cxnSpMkLst>
+            <pc:docMk/>
+            <pc:sldMk cId="3277994417" sldId="263"/>
+            <ac:cxnSpMk id="22" creationId="{B0BDEAB7-0E83-4F55-90F4-098569F5A573}"/>
+          </ac:cxnSpMkLst>
+        </pc:cxnChg>
       </pc:sldChg>
     </pc:docChg>
   </pc:docChgLst>
@@ -1989,6 +2085,753 @@
 </file>
 
 <file path=ppt/diagrams/colors2.xml><?xml version="1.0" encoding="utf-8"?>
+<dgm:colorsDef xmlns:dgm="http://schemas.openxmlformats.org/drawingml/2006/diagram" xmlns:a="http://schemas.openxmlformats.org/drawingml/2006/main" uniqueId="urn:microsoft.com/office/officeart/2005/8/colors/accent1_2">
+  <dgm:title val=""/>
+  <dgm:desc val=""/>
+  <dgm:catLst>
+    <dgm:cat type="accent1" pri="11200"/>
+  </dgm:catLst>
+  <dgm:styleLbl name="node0">
+    <dgm:fillClrLst meth="repeat">
+      <a:schemeClr val="accent1"/>
+    </dgm:fillClrLst>
+    <dgm:linClrLst meth="repeat">
+      <a:schemeClr val="lt1"/>
+    </dgm:linClrLst>
+    <dgm:effectClrLst/>
+    <dgm:txLinClrLst/>
+    <dgm:txFillClrLst/>
+    <dgm:txEffectClrLst/>
+  </dgm:styleLbl>
+  <dgm:styleLbl name="alignNode1">
+    <dgm:fillClrLst meth="repeat">
+      <a:schemeClr val="accent1"/>
+    </dgm:fillClrLst>
+    <dgm:linClrLst meth="repeat">
+      <a:schemeClr val="accent1"/>
+    </dgm:linClrLst>
+    <dgm:effectClrLst/>
+    <dgm:txLinClrLst/>
+    <dgm:txFillClrLst/>
+    <dgm:txEffectClrLst/>
+  </dgm:styleLbl>
+  <dgm:styleLbl name="node1">
+    <dgm:fillClrLst meth="repeat">
+      <a:schemeClr val="accent1"/>
+    </dgm:fillClrLst>
+    <dgm:linClrLst meth="repeat">
+      <a:schemeClr val="lt1"/>
+    </dgm:linClrLst>
+    <dgm:effectClrLst/>
+    <dgm:txLinClrLst/>
+    <dgm:txFillClrLst/>
+    <dgm:txEffectClrLst/>
+  </dgm:styleLbl>
+  <dgm:styleLbl name="lnNode1">
+    <dgm:fillClrLst meth="repeat">
+      <a:schemeClr val="accent1"/>
+    </dgm:fillClrLst>
+    <dgm:linClrLst meth="repeat">
+      <a:schemeClr val="lt1"/>
+    </dgm:linClrLst>
+    <dgm:effectClrLst/>
+    <dgm:txLinClrLst/>
+    <dgm:txFillClrLst/>
+    <dgm:txEffectClrLst/>
+  </dgm:styleLbl>
+  <dgm:styleLbl name="vennNode1">
+    <dgm:fillClrLst meth="repeat">
+      <a:schemeClr val="accent1">
+        <a:alpha val="50000"/>
+      </a:schemeClr>
+    </dgm:fillClrLst>
+    <dgm:linClrLst meth="repeat">
+      <a:schemeClr val="lt1"/>
+    </dgm:linClrLst>
+    <dgm:effectClrLst/>
+    <dgm:txLinClrLst/>
+    <dgm:txFillClrLst/>
+    <dgm:txEffectClrLst/>
+  </dgm:styleLbl>
+  <dgm:styleLbl name="node2">
+    <dgm:fillClrLst meth="repeat">
+      <a:schemeClr val="accent1"/>
+    </dgm:fillClrLst>
+    <dgm:linClrLst meth="repeat">
+      <a:schemeClr val="lt1"/>
+    </dgm:linClrLst>
+    <dgm:effectClrLst/>
+    <dgm:txLinClrLst/>
+    <dgm:txFillClrLst/>
+    <dgm:txEffectClrLst/>
+  </dgm:styleLbl>
+  <dgm:styleLbl name="node3">
+    <dgm:fillClrLst meth="repeat">
+      <a:schemeClr val="accent1"/>
+    </dgm:fillClrLst>
+    <dgm:linClrLst meth="repeat">
+      <a:schemeClr val="lt1"/>
+    </dgm:linClrLst>
+    <dgm:effectClrLst/>
+    <dgm:txLinClrLst/>
+    <dgm:txFillClrLst/>
+    <dgm:txEffectClrLst/>
+  </dgm:styleLbl>
+  <dgm:styleLbl name="node4">
+    <dgm:fillClrLst meth="repeat">
+      <a:schemeClr val="accent1"/>
+    </dgm:fillClrLst>
+    <dgm:linClrLst meth="repeat">
+      <a:schemeClr val="lt1"/>
+    </dgm:linClrLst>
+    <dgm:effectClrLst/>
+    <dgm:txLinClrLst/>
+    <dgm:txFillClrLst/>
+    <dgm:txEffectClrLst/>
+  </dgm:styleLbl>
+  <dgm:styleLbl name="fgImgPlace1">
+    <dgm:fillClrLst meth="repeat">
+      <a:schemeClr val="accent1">
+        <a:tint val="50000"/>
+      </a:schemeClr>
+    </dgm:fillClrLst>
+    <dgm:linClrLst meth="repeat">
+      <a:schemeClr val="lt1"/>
+    </dgm:linClrLst>
+    <dgm:effectClrLst/>
+    <dgm:txLinClrLst/>
+    <dgm:txFillClrLst meth="repeat">
+      <a:schemeClr val="lt1"/>
+    </dgm:txFillClrLst>
+    <dgm:txEffectClrLst/>
+  </dgm:styleLbl>
+  <dgm:styleLbl name="alignImgPlace1">
+    <dgm:fillClrLst meth="repeat">
+      <a:schemeClr val="accent1">
+        <a:tint val="50000"/>
+      </a:schemeClr>
+    </dgm:fillClrLst>
+    <dgm:linClrLst meth="repeat">
+      <a:schemeClr val="lt1"/>
+    </dgm:linClrLst>
+    <dgm:effectClrLst/>
+    <dgm:txLinClrLst/>
+    <dgm:txFillClrLst meth="repeat">
+      <a:schemeClr val="lt1"/>
+    </dgm:txFillClrLst>
+    <dgm:txEffectClrLst/>
+  </dgm:styleLbl>
+  <dgm:styleLbl name="bgImgPlace1">
+    <dgm:fillClrLst meth="repeat">
+      <a:schemeClr val="accent1">
+        <a:tint val="50000"/>
+      </a:schemeClr>
+    </dgm:fillClrLst>
+    <dgm:linClrLst meth="repeat">
+      <a:schemeClr val="lt1"/>
+    </dgm:linClrLst>
+    <dgm:effectClrLst/>
+    <dgm:txLinClrLst/>
+    <dgm:txFillClrLst meth="repeat">
+      <a:schemeClr val="lt1"/>
+    </dgm:txFillClrLst>
+    <dgm:txEffectClrLst/>
+  </dgm:styleLbl>
+  <dgm:styleLbl name="sibTrans2D1">
+    <dgm:fillClrLst meth="repeat">
+      <a:schemeClr val="accent1">
+        <a:tint val="60000"/>
+      </a:schemeClr>
+    </dgm:fillClrLst>
+    <dgm:linClrLst meth="repeat">
+      <a:schemeClr val="accent1">
+        <a:tint val="60000"/>
+      </a:schemeClr>
+    </dgm:linClrLst>
+    <dgm:effectClrLst/>
+    <dgm:txLinClrLst/>
+    <dgm:txFillClrLst/>
+    <dgm:txEffectClrLst/>
+  </dgm:styleLbl>
+  <dgm:styleLbl name="fgSibTrans2D1">
+    <dgm:fillClrLst meth="repeat">
+      <a:schemeClr val="accent1">
+        <a:tint val="60000"/>
+      </a:schemeClr>
+    </dgm:fillClrLst>
+    <dgm:linClrLst meth="repeat">
+      <a:schemeClr val="accent1">
+        <a:tint val="60000"/>
+      </a:schemeClr>
+    </dgm:linClrLst>
+    <dgm:effectClrLst/>
+    <dgm:txLinClrLst/>
+    <dgm:txFillClrLst/>
+    <dgm:txEffectClrLst/>
+  </dgm:styleLbl>
+  <dgm:styleLbl name="bgSibTrans2D1">
+    <dgm:fillClrLst meth="repeat">
+      <a:schemeClr val="accent1">
+        <a:tint val="60000"/>
+      </a:schemeClr>
+    </dgm:fillClrLst>
+    <dgm:linClrLst meth="repeat">
+      <a:schemeClr val="accent1">
+        <a:tint val="60000"/>
+      </a:schemeClr>
+    </dgm:linClrLst>
+    <dgm:effectClrLst/>
+    <dgm:txLinClrLst/>
+    <dgm:txFillClrLst/>
+    <dgm:txEffectClrLst/>
+  </dgm:styleLbl>
+  <dgm:styleLbl name="sibTrans1D1">
+    <dgm:fillClrLst meth="repeat">
+      <a:schemeClr val="accent1"/>
+    </dgm:fillClrLst>
+    <dgm:linClrLst meth="repeat">
+      <a:schemeClr val="accent1"/>
+    </dgm:linClrLst>
+    <dgm:effectClrLst/>
+    <dgm:txLinClrLst/>
+    <dgm:txFillClrLst meth="repeat">
+      <a:schemeClr val="tx1"/>
+    </dgm:txFillClrLst>
+    <dgm:txEffectClrLst/>
+  </dgm:styleLbl>
+  <dgm:styleLbl name="callout">
+    <dgm:fillClrLst meth="repeat">
+      <a:schemeClr val="accent1"/>
+    </dgm:fillClrLst>
+    <dgm:linClrLst meth="repeat">
+      <a:schemeClr val="accent1">
+        <a:tint val="50000"/>
+      </a:schemeClr>
+    </dgm:linClrLst>
+    <dgm:effectClrLst/>
+    <dgm:txLinClrLst/>
+    <dgm:txFillClrLst meth="repeat">
+      <a:schemeClr val="tx1"/>
+    </dgm:txFillClrLst>
+    <dgm:txEffectClrLst/>
+  </dgm:styleLbl>
+  <dgm:styleLbl name="asst0">
+    <dgm:fillClrLst meth="repeat">
+      <a:schemeClr val="accent1"/>
+    </dgm:fillClrLst>
+    <dgm:linClrLst meth="repeat">
+      <a:schemeClr val="lt1"/>
+    </dgm:linClrLst>
+    <dgm:effectClrLst/>
+    <dgm:txLinClrLst/>
+    <dgm:txFillClrLst/>
+    <dgm:txEffectClrLst/>
+  </dgm:styleLbl>
+  <dgm:styleLbl name="asst1">
+    <dgm:fillClrLst meth="repeat">
+      <a:schemeClr val="accent1"/>
+    </dgm:fillClrLst>
+    <dgm:linClrLst meth="repeat">
+      <a:schemeClr val="lt1"/>
+    </dgm:linClrLst>
+    <dgm:effectClrLst/>
+    <dgm:txLinClrLst/>
+    <dgm:txFillClrLst/>
+    <dgm:txEffectClrLst/>
+  </dgm:styleLbl>
+  <dgm:styleLbl name="asst2">
+    <dgm:fillClrLst meth="repeat">
+      <a:schemeClr val="accent1"/>
+    </dgm:fillClrLst>
+    <dgm:linClrLst meth="repeat">
+      <a:schemeClr val="lt1"/>
+    </dgm:linClrLst>
+    <dgm:effectClrLst/>
+    <dgm:txLinClrLst/>
+    <dgm:txFillClrLst/>
+    <dgm:txEffectClrLst/>
+  </dgm:styleLbl>
+  <dgm:styleLbl name="asst3">
+    <dgm:fillClrLst meth="repeat">
+      <a:schemeClr val="accent1"/>
+    </dgm:fillClrLst>
+    <dgm:linClrLst meth="repeat">
+      <a:schemeClr val="lt1"/>
+    </dgm:linClrLst>
+    <dgm:effectClrLst/>
+    <dgm:txLinClrLst/>
+    <dgm:txFillClrLst/>
+    <dgm:txEffectClrLst/>
+  </dgm:styleLbl>
+  <dgm:styleLbl name="asst4">
+    <dgm:fillClrLst meth="repeat">
+      <a:schemeClr val="accent1"/>
+    </dgm:fillClrLst>
+    <dgm:linClrLst meth="repeat">
+      <a:schemeClr val="lt1"/>
+    </dgm:linClrLst>
+    <dgm:effectClrLst/>
+    <dgm:txLinClrLst/>
+    <dgm:txFillClrLst/>
+    <dgm:txEffectClrLst/>
+  </dgm:styleLbl>
+  <dgm:styleLbl name="parChTrans2D1">
+    <dgm:fillClrLst meth="repeat">
+      <a:schemeClr val="accent1">
+        <a:tint val="60000"/>
+      </a:schemeClr>
+    </dgm:fillClrLst>
+    <dgm:linClrLst meth="repeat">
+      <a:schemeClr val="accent1">
+        <a:tint val="60000"/>
+      </a:schemeClr>
+    </dgm:linClrLst>
+    <dgm:effectClrLst/>
+    <dgm:txLinClrLst/>
+    <dgm:txFillClrLst meth="repeat">
+      <a:schemeClr val="lt1"/>
+    </dgm:txFillClrLst>
+    <dgm:txEffectClrLst/>
+  </dgm:styleLbl>
+  <dgm:styleLbl name="parChTrans2D2">
+    <dgm:fillClrLst meth="repeat">
+      <a:schemeClr val="accent1"/>
+    </dgm:fillClrLst>
+    <dgm:linClrLst meth="repeat">
+      <a:schemeClr val="accent1"/>
+    </dgm:linClrLst>
+    <dgm:effectClrLst/>
+    <dgm:txLinClrLst/>
+    <dgm:txFillClrLst meth="repeat">
+      <a:schemeClr val="lt1"/>
+    </dgm:txFillClrLst>
+    <dgm:txEffectClrLst/>
+  </dgm:styleLbl>
+  <dgm:styleLbl name="parChTrans2D3">
+    <dgm:fillClrLst meth="repeat">
+      <a:schemeClr val="accent1"/>
+    </dgm:fillClrLst>
+    <dgm:linClrLst meth="repeat">
+      <a:schemeClr val="accent1"/>
+    </dgm:linClrLst>
+    <dgm:effectClrLst/>
+    <dgm:txLinClrLst/>
+    <dgm:txFillClrLst meth="repeat">
+      <a:schemeClr val="lt1"/>
+    </dgm:txFillClrLst>
+    <dgm:txEffectClrLst/>
+  </dgm:styleLbl>
+  <dgm:styleLbl name="parChTrans2D4">
+    <dgm:fillClrLst meth="repeat">
+      <a:schemeClr val="accent1"/>
+    </dgm:fillClrLst>
+    <dgm:linClrLst meth="repeat">
+      <a:schemeClr val="accent1"/>
+    </dgm:linClrLst>
+    <dgm:effectClrLst/>
+    <dgm:txLinClrLst/>
+    <dgm:txFillClrLst meth="repeat">
+      <a:schemeClr val="lt1"/>
+    </dgm:txFillClrLst>
+    <dgm:txEffectClrLst/>
+  </dgm:styleLbl>
+  <dgm:styleLbl name="parChTrans1D1">
+    <dgm:fillClrLst meth="repeat">
+      <a:schemeClr val="accent1"/>
+    </dgm:fillClrLst>
+    <dgm:linClrLst meth="repeat">
+      <a:schemeClr val="accent1">
+        <a:shade val="60000"/>
+      </a:schemeClr>
+    </dgm:linClrLst>
+    <dgm:effectClrLst/>
+    <dgm:txLinClrLst/>
+    <dgm:txFillClrLst meth="repeat">
+      <a:schemeClr val="tx1"/>
+    </dgm:txFillClrLst>
+    <dgm:txEffectClrLst/>
+  </dgm:styleLbl>
+  <dgm:styleLbl name="parChTrans1D2">
+    <dgm:fillClrLst meth="repeat">
+      <a:schemeClr val="accent1"/>
+    </dgm:fillClrLst>
+    <dgm:linClrLst meth="repeat">
+      <a:schemeClr val="accent1">
+        <a:shade val="60000"/>
+      </a:schemeClr>
+    </dgm:linClrLst>
+    <dgm:effectClrLst/>
+    <dgm:txLinClrLst/>
+    <dgm:txFillClrLst meth="repeat">
+      <a:schemeClr val="tx1"/>
+    </dgm:txFillClrLst>
+    <dgm:txEffectClrLst/>
+  </dgm:styleLbl>
+  <dgm:styleLbl name="parChTrans1D3">
+    <dgm:fillClrLst meth="repeat">
+      <a:schemeClr val="accent1"/>
+    </dgm:fillClrLst>
+    <dgm:linClrLst meth="repeat">
+      <a:schemeClr val="accent1">
+        <a:shade val="80000"/>
+      </a:schemeClr>
+    </dgm:linClrLst>
+    <dgm:effectClrLst/>
+    <dgm:txLinClrLst/>
+    <dgm:txFillClrLst meth="repeat">
+      <a:schemeClr val="tx1"/>
+    </dgm:txFillClrLst>
+    <dgm:txEffectClrLst/>
+  </dgm:styleLbl>
+  <dgm:styleLbl name="parChTrans1D4">
+    <dgm:fillClrLst meth="repeat">
+      <a:schemeClr val="accent1"/>
+    </dgm:fillClrLst>
+    <dgm:linClrLst meth="repeat">
+      <a:schemeClr val="accent1">
+        <a:shade val="80000"/>
+      </a:schemeClr>
+    </dgm:linClrLst>
+    <dgm:effectClrLst/>
+    <dgm:txLinClrLst/>
+    <dgm:txFillClrLst meth="repeat">
+      <a:schemeClr val="tx1"/>
+    </dgm:txFillClrLst>
+    <dgm:txEffectClrLst/>
+  </dgm:styleLbl>
+  <dgm:styleLbl name="fgAcc1">
+    <dgm:fillClrLst meth="repeat">
+      <a:schemeClr val="lt1">
+        <a:alpha val="90000"/>
+      </a:schemeClr>
+    </dgm:fillClrLst>
+    <dgm:linClrLst meth="repeat">
+      <a:schemeClr val="accent1"/>
+    </dgm:linClrLst>
+    <dgm:effectClrLst/>
+    <dgm:txLinClrLst/>
+    <dgm:txFillClrLst meth="repeat">
+      <a:schemeClr val="dk1"/>
+    </dgm:txFillClrLst>
+    <dgm:txEffectClrLst/>
+  </dgm:styleLbl>
+  <dgm:styleLbl name="conFgAcc1">
+    <dgm:fillClrLst meth="repeat">
+      <a:schemeClr val="lt1">
+        <a:alpha val="90000"/>
+      </a:schemeClr>
+    </dgm:fillClrLst>
+    <dgm:linClrLst meth="repeat">
+      <a:schemeClr val="accent1"/>
+    </dgm:linClrLst>
+    <dgm:effectClrLst/>
+    <dgm:txLinClrLst/>
+    <dgm:txFillClrLst meth="repeat">
+      <a:schemeClr val="dk1"/>
+    </dgm:txFillClrLst>
+    <dgm:txEffectClrLst/>
+  </dgm:styleLbl>
+  <dgm:styleLbl name="alignAcc1">
+    <dgm:fillClrLst meth="repeat">
+      <a:schemeClr val="lt1">
+        <a:alpha val="90000"/>
+      </a:schemeClr>
+    </dgm:fillClrLst>
+    <dgm:linClrLst meth="repeat">
+      <a:schemeClr val="accent1"/>
+    </dgm:linClrLst>
+    <dgm:effectClrLst/>
+    <dgm:txLinClrLst/>
+    <dgm:txFillClrLst meth="repeat">
+      <a:schemeClr val="dk1"/>
+    </dgm:txFillClrLst>
+    <dgm:txEffectClrLst/>
+  </dgm:styleLbl>
+  <dgm:styleLbl name="trAlignAcc1">
+    <dgm:fillClrLst meth="repeat">
+      <a:schemeClr val="lt1">
+        <a:alpha val="40000"/>
+      </a:schemeClr>
+    </dgm:fillClrLst>
+    <dgm:linClrLst meth="repeat">
+      <a:schemeClr val="accent1"/>
+    </dgm:linClrLst>
+    <dgm:effectClrLst/>
+    <dgm:txLinClrLst/>
+    <dgm:txFillClrLst meth="repeat">
+      <a:schemeClr val="dk1"/>
+    </dgm:txFillClrLst>
+    <dgm:txEffectClrLst/>
+  </dgm:styleLbl>
+  <dgm:styleLbl name="bgAcc1">
+    <dgm:fillClrLst meth="repeat">
+      <a:schemeClr val="lt1">
+        <a:alpha val="90000"/>
+      </a:schemeClr>
+    </dgm:fillClrLst>
+    <dgm:linClrLst meth="repeat">
+      <a:schemeClr val="accent1"/>
+    </dgm:linClrLst>
+    <dgm:effectClrLst/>
+    <dgm:txLinClrLst/>
+    <dgm:txFillClrLst meth="repeat">
+      <a:schemeClr val="dk1"/>
+    </dgm:txFillClrLst>
+    <dgm:txEffectClrLst/>
+  </dgm:styleLbl>
+  <dgm:styleLbl name="solidFgAcc1">
+    <dgm:fillClrLst meth="repeat">
+      <a:schemeClr val="lt1"/>
+    </dgm:fillClrLst>
+    <dgm:linClrLst meth="repeat">
+      <a:schemeClr val="accent1"/>
+    </dgm:linClrLst>
+    <dgm:effectClrLst/>
+    <dgm:txLinClrLst/>
+    <dgm:txFillClrLst meth="repeat">
+      <a:schemeClr val="dk1"/>
+    </dgm:txFillClrLst>
+    <dgm:txEffectClrLst/>
+  </dgm:styleLbl>
+  <dgm:styleLbl name="solidAlignAcc1">
+    <dgm:fillClrLst meth="repeat">
+      <a:schemeClr val="lt1"/>
+    </dgm:fillClrLst>
+    <dgm:linClrLst meth="repeat">
+      <a:schemeClr val="accent1"/>
+    </dgm:linClrLst>
+    <dgm:effectClrLst/>
+    <dgm:txLinClrLst/>
+    <dgm:txFillClrLst meth="repeat">
+      <a:schemeClr val="dk1"/>
+    </dgm:txFillClrLst>
+    <dgm:txEffectClrLst/>
+  </dgm:styleLbl>
+  <dgm:styleLbl name="solidBgAcc1">
+    <dgm:fillClrLst meth="repeat">
+      <a:schemeClr val="lt1"/>
+    </dgm:fillClrLst>
+    <dgm:linClrLst meth="repeat">
+      <a:schemeClr val="accent1"/>
+    </dgm:linClrLst>
+    <dgm:effectClrLst/>
+    <dgm:txLinClrLst/>
+    <dgm:txFillClrLst meth="repeat">
+      <a:schemeClr val="dk1"/>
+    </dgm:txFillClrLst>
+    <dgm:txEffectClrLst/>
+  </dgm:styleLbl>
+  <dgm:styleLbl name="fgAccFollowNode1">
+    <dgm:fillClrLst meth="repeat">
+      <a:schemeClr val="accent1">
+        <a:alpha val="90000"/>
+        <a:tint val="40000"/>
+      </a:schemeClr>
+    </dgm:fillClrLst>
+    <dgm:linClrLst meth="repeat">
+      <a:schemeClr val="accent1">
+        <a:alpha val="90000"/>
+        <a:tint val="40000"/>
+      </a:schemeClr>
+    </dgm:linClrLst>
+    <dgm:effectClrLst/>
+    <dgm:txLinClrLst/>
+    <dgm:txFillClrLst meth="repeat">
+      <a:schemeClr val="dk1"/>
+    </dgm:txFillClrLst>
+    <dgm:txEffectClrLst/>
+  </dgm:styleLbl>
+  <dgm:styleLbl name="alignAccFollowNode1">
+    <dgm:fillClrLst meth="repeat">
+      <a:schemeClr val="accent1">
+        <a:alpha val="90000"/>
+        <a:tint val="40000"/>
+      </a:schemeClr>
+    </dgm:fillClrLst>
+    <dgm:linClrLst meth="repeat">
+      <a:schemeClr val="accent1">
+        <a:alpha val="90000"/>
+        <a:tint val="40000"/>
+      </a:schemeClr>
+    </dgm:linClrLst>
+    <dgm:effectClrLst/>
+    <dgm:txLinClrLst/>
+    <dgm:txFillClrLst meth="repeat">
+      <a:schemeClr val="dk1"/>
+    </dgm:txFillClrLst>
+    <dgm:txEffectClrLst/>
+  </dgm:styleLbl>
+  <dgm:styleLbl name="bgAccFollowNode1">
+    <dgm:fillClrLst meth="repeat">
+      <a:schemeClr val="accent1">
+        <a:alpha val="90000"/>
+        <a:tint val="40000"/>
+      </a:schemeClr>
+    </dgm:fillClrLst>
+    <dgm:linClrLst meth="repeat">
+      <a:schemeClr val="accent1">
+        <a:alpha val="90000"/>
+        <a:tint val="40000"/>
+      </a:schemeClr>
+    </dgm:linClrLst>
+    <dgm:effectClrLst/>
+    <dgm:txLinClrLst/>
+    <dgm:txFillClrLst meth="repeat">
+      <a:schemeClr val="dk1"/>
+    </dgm:txFillClrLst>
+    <dgm:txEffectClrLst/>
+  </dgm:styleLbl>
+  <dgm:styleLbl name="fgAcc0">
+    <dgm:fillClrLst meth="repeat">
+      <a:schemeClr val="lt1">
+        <a:alpha val="90000"/>
+      </a:schemeClr>
+    </dgm:fillClrLst>
+    <dgm:linClrLst meth="repeat">
+      <a:schemeClr val="accent1"/>
+    </dgm:linClrLst>
+    <dgm:effectClrLst/>
+    <dgm:txLinClrLst/>
+    <dgm:txFillClrLst meth="repeat">
+      <a:schemeClr val="dk1"/>
+    </dgm:txFillClrLst>
+    <dgm:txEffectClrLst/>
+  </dgm:styleLbl>
+  <dgm:styleLbl name="fgAcc2">
+    <dgm:fillClrLst meth="repeat">
+      <a:schemeClr val="lt1">
+        <a:alpha val="90000"/>
+      </a:schemeClr>
+    </dgm:fillClrLst>
+    <dgm:linClrLst meth="repeat">
+      <a:schemeClr val="accent1"/>
+    </dgm:linClrLst>
+    <dgm:effectClrLst/>
+    <dgm:txLinClrLst/>
+    <dgm:txFillClrLst meth="repeat">
+      <a:schemeClr val="dk1"/>
+    </dgm:txFillClrLst>
+    <dgm:txEffectClrLst/>
+  </dgm:styleLbl>
+  <dgm:styleLbl name="fgAcc3">
+    <dgm:fillClrLst meth="repeat">
+      <a:schemeClr val="lt1">
+        <a:alpha val="90000"/>
+      </a:schemeClr>
+    </dgm:fillClrLst>
+    <dgm:linClrLst meth="repeat">
+      <a:schemeClr val="accent1"/>
+    </dgm:linClrLst>
+    <dgm:effectClrLst/>
+    <dgm:txLinClrLst/>
+    <dgm:txFillClrLst meth="repeat">
+      <a:schemeClr val="dk1"/>
+    </dgm:txFillClrLst>
+    <dgm:txEffectClrLst/>
+  </dgm:styleLbl>
+  <dgm:styleLbl name="fgAcc4">
+    <dgm:fillClrLst meth="repeat">
+      <a:schemeClr val="lt1">
+        <a:alpha val="90000"/>
+      </a:schemeClr>
+    </dgm:fillClrLst>
+    <dgm:linClrLst meth="repeat">
+      <a:schemeClr val="accent1"/>
+    </dgm:linClrLst>
+    <dgm:effectClrLst/>
+    <dgm:txLinClrLst/>
+    <dgm:txFillClrLst meth="repeat">
+      <a:schemeClr val="dk1"/>
+    </dgm:txFillClrLst>
+    <dgm:txEffectClrLst/>
+  </dgm:styleLbl>
+  <dgm:styleLbl name="bgShp">
+    <dgm:fillClrLst meth="repeat">
+      <a:schemeClr val="accent1">
+        <a:tint val="40000"/>
+      </a:schemeClr>
+    </dgm:fillClrLst>
+    <dgm:linClrLst meth="repeat">
+      <a:schemeClr val="accent1"/>
+    </dgm:linClrLst>
+    <dgm:effectClrLst/>
+    <dgm:txLinClrLst/>
+    <dgm:txFillClrLst meth="repeat">
+      <a:schemeClr val="dk1"/>
+    </dgm:txFillClrLst>
+    <dgm:txEffectClrLst/>
+  </dgm:styleLbl>
+  <dgm:styleLbl name="dkBgShp">
+    <dgm:fillClrLst meth="repeat">
+      <a:schemeClr val="accent1">
+        <a:shade val="80000"/>
+      </a:schemeClr>
+    </dgm:fillClrLst>
+    <dgm:linClrLst meth="repeat">
+      <a:schemeClr val="accent1"/>
+    </dgm:linClrLst>
+    <dgm:effectClrLst/>
+    <dgm:txLinClrLst/>
+    <dgm:txFillClrLst meth="repeat">
+      <a:schemeClr val="lt1"/>
+    </dgm:txFillClrLst>
+    <dgm:txEffectClrLst/>
+  </dgm:styleLbl>
+  <dgm:styleLbl name="trBgShp">
+    <dgm:fillClrLst meth="repeat">
+      <a:schemeClr val="accent1">
+        <a:tint val="50000"/>
+        <a:alpha val="40000"/>
+      </a:schemeClr>
+    </dgm:fillClrLst>
+    <dgm:linClrLst meth="repeat">
+      <a:schemeClr val="accent1"/>
+    </dgm:linClrLst>
+    <dgm:effectClrLst/>
+    <dgm:txLinClrLst/>
+    <dgm:txFillClrLst meth="repeat">
+      <a:schemeClr val="lt1"/>
+    </dgm:txFillClrLst>
+    <dgm:txEffectClrLst/>
+  </dgm:styleLbl>
+  <dgm:styleLbl name="fgShp">
+    <dgm:fillClrLst meth="repeat">
+      <a:schemeClr val="accent1">
+        <a:tint val="60000"/>
+      </a:schemeClr>
+    </dgm:fillClrLst>
+    <dgm:linClrLst meth="repeat">
+      <a:schemeClr val="lt1"/>
+    </dgm:linClrLst>
+    <dgm:effectClrLst/>
+    <dgm:txLinClrLst/>
+    <dgm:txFillClrLst meth="repeat">
+      <a:schemeClr val="dk1"/>
+    </dgm:txFillClrLst>
+    <dgm:txEffectClrLst/>
+  </dgm:styleLbl>
+  <dgm:styleLbl name="revTx">
+    <dgm:fillClrLst meth="repeat">
+      <a:schemeClr val="lt1">
+        <a:alpha val="0"/>
+      </a:schemeClr>
+    </dgm:fillClrLst>
+    <dgm:linClrLst meth="repeat">
+      <a:schemeClr val="dk1">
+        <a:alpha val="0"/>
+      </a:schemeClr>
+    </dgm:linClrLst>
+    <dgm:effectClrLst/>
+    <dgm:txLinClrLst/>
+    <dgm:txFillClrLst meth="repeat">
+      <a:schemeClr val="tx1"/>
+    </dgm:txFillClrLst>
+    <dgm:txEffectClrLst/>
+  </dgm:styleLbl>
+</dgm:colorsDef>
+</file>
+
+<file path=ppt/diagrams/colors3.xml><?xml version="1.0" encoding="utf-8"?>
 <dgm:colorsDef xmlns:dgm="http://schemas.openxmlformats.org/drawingml/2006/diagram" xmlns:a="http://schemas.openxmlformats.org/drawingml/2006/main" uniqueId="urn:microsoft.com/office/officeart/2005/8/colors/accent1_2">
   <dgm:title val=""/>
   <dgm:desc val=""/>
@@ -3352,10 +4195,18 @@
         <a:lstStyle/>
         <a:p>
           <a:r>
-            <a:rPr lang="en-GB"/>
-            <a:t>Regex van de kortste route </a:t>
+            <a:rPr lang="en-GB" dirty="0"/>
+            <a:t>Regex van de </a:t>
           </a:r>
-          <a:endParaRPr lang="en-US"/>
+          <a:r>
+            <a:rPr lang="en-GB" dirty="0" err="1"/>
+            <a:t>kortste</a:t>
+          </a:r>
+          <a:r>
+            <a:rPr lang="en-GB" dirty="0"/>
+            <a:t> route </a:t>
+          </a:r>
+          <a:endParaRPr lang="en-US" dirty="0"/>
         </a:p>
       </dgm:t>
     </dgm:pt>
@@ -3633,6 +4484,677 @@
     <dgm:cxn modelId="{C0CD99CF-9F69-49E7-925A-B5FE8E957CB2}" type="presParOf" srcId="{1DAB775E-4EC4-4F99-AFE4-0C8E61D19954}" destId="{B42D04E3-2A95-424B-AA0F-8208B28D06F9}" srcOrd="8" destOrd="0" presId="urn:microsoft.com/office/officeart/2005/8/layout/hList1"/>
     <dgm:cxn modelId="{427D2140-781F-4AAA-87A4-4B5444BBD597}" type="presParOf" srcId="{B42D04E3-2A95-424B-AA0F-8208B28D06F9}" destId="{281F1B88-6BE8-4655-989B-B98170BCDA08}" srcOrd="0" destOrd="0" presId="urn:microsoft.com/office/officeart/2005/8/layout/hList1"/>
     <dgm:cxn modelId="{4131EEA1-C9C6-4B1C-A654-3252CD296242}" type="presParOf" srcId="{B42D04E3-2A95-424B-AA0F-8208B28D06F9}" destId="{876A0C61-0F2E-441E-8ED7-6265442FCAFD}" srcOrd="1" destOrd="0" presId="urn:microsoft.com/office/officeart/2005/8/layout/hList1"/>
+  </dgm:cxnLst>
+  <dgm:bg/>
+  <dgm:whole/>
+  <dgm:extLst>
+    <a:ext uri="http://schemas.microsoft.com/office/drawing/2008/diagram">
+      <dsp:dataModelExt xmlns:dsp="http://schemas.microsoft.com/office/drawing/2008/diagram" relId="rId6" minVer="http://schemas.openxmlformats.org/drawingml/2006/diagram"/>
+    </a:ext>
+  </dgm:extLst>
+</dgm:dataModel>
+</file>
+
+<file path=ppt/diagrams/data3.xml><?xml version="1.0" encoding="utf-8"?>
+<dgm:dataModel xmlns:dgm="http://schemas.openxmlformats.org/drawingml/2006/diagram" xmlns:a="http://schemas.openxmlformats.org/drawingml/2006/main">
+  <dgm:ptLst>
+    <dgm:pt modelId="{81023D7B-141E-47D3-82EE-96A0AC95CA4E}" type="doc">
+      <dgm:prSet loTypeId="urn:microsoft.com/office/officeart/2005/8/layout/hList1" loCatId="list" qsTypeId="urn:microsoft.com/office/officeart/2005/8/quickstyle/simple1" qsCatId="simple" csTypeId="urn:microsoft.com/office/officeart/2005/8/colors/accent1_2" csCatId="accent1"/>
+      <dgm:spPr/>
+      <dgm:t>
+        <a:bodyPr/>
+        <a:lstStyle/>
+        <a:p>
+          <a:endParaRPr lang="en-US"/>
+        </a:p>
+      </dgm:t>
+    </dgm:pt>
+    <dgm:pt modelId="{63900C2B-9DA1-4AFB-9D5D-7362BF75A8BC}">
+      <dgm:prSet/>
+      <dgm:spPr/>
+      <dgm:t>
+        <a:bodyPr/>
+        <a:lstStyle/>
+        <a:p>
+          <a:r>
+            <a:rPr lang="en-GB"/>
+            <a:t>Enemy trainer</a:t>
+          </a:r>
+          <a:endParaRPr lang="en-US"/>
+        </a:p>
+      </dgm:t>
+    </dgm:pt>
+    <dgm:pt modelId="{1F056877-57B5-4713-B132-CEF8F125E853}" type="parTrans" cxnId="{A7A0BF49-3206-4790-8207-200BF160E402}">
+      <dgm:prSet/>
+      <dgm:spPr/>
+      <dgm:t>
+        <a:bodyPr/>
+        <a:lstStyle/>
+        <a:p>
+          <a:endParaRPr lang="en-US"/>
+        </a:p>
+      </dgm:t>
+    </dgm:pt>
+    <dgm:pt modelId="{735F739A-7862-46FE-A56A-BDABECD1D346}" type="sibTrans" cxnId="{A7A0BF49-3206-4790-8207-200BF160E402}">
+      <dgm:prSet/>
+      <dgm:spPr/>
+      <dgm:t>
+        <a:bodyPr/>
+        <a:lstStyle/>
+        <a:p>
+          <a:endParaRPr lang="en-US"/>
+        </a:p>
+      </dgm:t>
+    </dgm:pt>
+    <dgm:pt modelId="{E9AF53FD-3331-4688-B999-3FA2751488B6}">
+      <dgm:prSet/>
+      <dgm:spPr/>
+      <dgm:t>
+        <a:bodyPr/>
+        <a:lstStyle/>
+        <a:p>
+          <a:r>
+            <a:rPr lang="en-GB"/>
+            <a:t>Txt-file inlezen</a:t>
+          </a:r>
+          <a:endParaRPr lang="en-US"/>
+        </a:p>
+      </dgm:t>
+    </dgm:pt>
+    <dgm:pt modelId="{5AA2505D-14E1-40C1-B0AC-8758229D7849}" type="parTrans" cxnId="{2296CBF3-193F-4210-B787-0A4BF6BF14AC}">
+      <dgm:prSet/>
+      <dgm:spPr/>
+      <dgm:t>
+        <a:bodyPr/>
+        <a:lstStyle/>
+        <a:p>
+          <a:endParaRPr lang="en-US"/>
+        </a:p>
+      </dgm:t>
+    </dgm:pt>
+    <dgm:pt modelId="{2352738C-F70E-490C-8F64-95EAB52F6CC1}" type="sibTrans" cxnId="{2296CBF3-193F-4210-B787-0A4BF6BF14AC}">
+      <dgm:prSet/>
+      <dgm:spPr/>
+      <dgm:t>
+        <a:bodyPr/>
+        <a:lstStyle/>
+        <a:p>
+          <a:endParaRPr lang="en-US"/>
+        </a:p>
+      </dgm:t>
+    </dgm:pt>
+    <dgm:pt modelId="{0E03407A-36F3-4B24-AFE5-0B03196B57DA}">
+      <dgm:prSet/>
+      <dgm:spPr/>
+      <dgm:t>
+        <a:bodyPr/>
+        <a:lstStyle/>
+        <a:p>
+          <a:r>
+            <a:rPr lang="en-GB"/>
+            <a:t>Bv. waawssa…</a:t>
+          </a:r>
+          <a:endParaRPr lang="en-US"/>
+        </a:p>
+      </dgm:t>
+    </dgm:pt>
+    <dgm:pt modelId="{E918ACA6-6B91-439A-914C-E074A868C37E}" type="parTrans" cxnId="{111BE799-337A-4ECE-9AAE-763A8D687A35}">
+      <dgm:prSet/>
+      <dgm:spPr/>
+      <dgm:t>
+        <a:bodyPr/>
+        <a:lstStyle/>
+        <a:p>
+          <a:endParaRPr lang="en-US"/>
+        </a:p>
+      </dgm:t>
+    </dgm:pt>
+    <dgm:pt modelId="{A08685A0-9BC6-4185-9643-3F9D707F67BD}" type="sibTrans" cxnId="{111BE799-337A-4ECE-9AAE-763A8D687A35}">
+      <dgm:prSet/>
+      <dgm:spPr/>
+      <dgm:t>
+        <a:bodyPr/>
+        <a:lstStyle/>
+        <a:p>
+          <a:endParaRPr lang="en-US"/>
+        </a:p>
+      </dgm:t>
+    </dgm:pt>
+    <dgm:pt modelId="{A3E43096-D2E1-4EE0-8045-185235D8CBD3}">
+      <dgm:prSet/>
+      <dgm:spPr/>
+      <dgm:t>
+        <a:bodyPr/>
+        <a:lstStyle/>
+        <a:p>
+          <a:r>
+            <a:rPr lang="en-GB"/>
+            <a:t>Enemy movement</a:t>
+          </a:r>
+          <a:endParaRPr lang="en-US"/>
+        </a:p>
+      </dgm:t>
+    </dgm:pt>
+    <dgm:pt modelId="{4A385EF9-BF0F-473F-AE79-5C2FAF1B75E5}" type="parTrans" cxnId="{5E5201D3-61AA-4BF2-B757-2D6AC2951C1D}">
+      <dgm:prSet/>
+      <dgm:spPr/>
+      <dgm:t>
+        <a:bodyPr/>
+        <a:lstStyle/>
+        <a:p>
+          <a:endParaRPr lang="en-US"/>
+        </a:p>
+      </dgm:t>
+    </dgm:pt>
+    <dgm:pt modelId="{89149FD0-CA52-4E6D-95BF-B732B6321062}" type="sibTrans" cxnId="{5E5201D3-61AA-4BF2-B757-2D6AC2951C1D}">
+      <dgm:prSet/>
+      <dgm:spPr/>
+      <dgm:t>
+        <a:bodyPr/>
+        <a:lstStyle/>
+        <a:p>
+          <a:endParaRPr lang="en-US"/>
+        </a:p>
+      </dgm:t>
+    </dgm:pt>
+    <dgm:pt modelId="{E7CBA024-8B64-42C9-ACE8-A1B94135E56F}">
+      <dgm:prSet/>
+      <dgm:spPr/>
+      <dgm:t>
+        <a:bodyPr/>
+        <a:lstStyle/>
+        <a:p>
+          <a:r>
+            <a:rPr lang="en-GB"/>
+            <a:t>Random walk: gibs algoritme</a:t>
+          </a:r>
+          <a:endParaRPr lang="en-US"/>
+        </a:p>
+      </dgm:t>
+    </dgm:pt>
+    <dgm:pt modelId="{AAEF3980-1120-4A27-A6BC-D50FB4E2E103}" type="parTrans" cxnId="{DD02B694-72F7-42DD-AE89-92CE6E6128E2}">
+      <dgm:prSet/>
+      <dgm:spPr/>
+      <dgm:t>
+        <a:bodyPr/>
+        <a:lstStyle/>
+        <a:p>
+          <a:endParaRPr lang="en-US"/>
+        </a:p>
+      </dgm:t>
+    </dgm:pt>
+    <dgm:pt modelId="{8F83E066-024E-4974-BD43-61F69468E7C1}" type="sibTrans" cxnId="{DD02B694-72F7-42DD-AE89-92CE6E6128E2}">
+      <dgm:prSet/>
+      <dgm:spPr/>
+      <dgm:t>
+        <a:bodyPr/>
+        <a:lstStyle/>
+        <a:p>
+          <a:endParaRPr lang="en-US"/>
+        </a:p>
+      </dgm:t>
+    </dgm:pt>
+    <dgm:pt modelId="{E7E72E7D-2B79-4453-84A4-5181163D3A02}">
+      <dgm:prSet/>
+      <dgm:spPr/>
+      <dgm:t>
+        <a:bodyPr/>
+        <a:lstStyle/>
+        <a:p>
+          <a:r>
+            <a:rPr lang="en-GB"/>
+            <a:t>Bepaalt volgende movement </a:t>
+          </a:r>
+          <a:r>
+            <a:rPr lang="en-GB">
+              <a:sym typeface="Wingdings" panose="05000000000000000000" pitchFamily="2" charset="2"/>
+            </a:rPr>
+            <a:t></a:t>
+          </a:r>
+          <a:r>
+            <a:rPr lang="en-GB"/>
+            <a:t> vorige movement</a:t>
+          </a:r>
+          <a:endParaRPr lang="en-US"/>
+        </a:p>
+      </dgm:t>
+    </dgm:pt>
+    <dgm:pt modelId="{60A27EA3-864F-48D3-AB49-66CA4C14BFF0}" type="parTrans" cxnId="{2A713CE2-D247-4E59-AB67-429649450B07}">
+      <dgm:prSet/>
+      <dgm:spPr/>
+      <dgm:t>
+        <a:bodyPr/>
+        <a:lstStyle/>
+        <a:p>
+          <a:endParaRPr lang="en-US"/>
+        </a:p>
+      </dgm:t>
+    </dgm:pt>
+    <dgm:pt modelId="{807F9DA6-21BA-4FD8-8AD3-6AF936B72509}" type="sibTrans" cxnId="{2A713CE2-D247-4E59-AB67-429649450B07}">
+      <dgm:prSet/>
+      <dgm:spPr/>
+      <dgm:t>
+        <a:bodyPr/>
+        <a:lstStyle/>
+        <a:p>
+          <a:endParaRPr lang="en-US"/>
+        </a:p>
+      </dgm:t>
+    </dgm:pt>
+    <dgm:pt modelId="{CD1C4DE0-A298-4184-8E86-5FAD160E5733}">
+      <dgm:prSet/>
+      <dgm:spPr/>
+      <dgm:t>
+        <a:bodyPr/>
+        <a:lstStyle/>
+        <a:p>
+          <a:r>
+            <a:rPr lang="en-GB"/>
+            <a:t>GUI</a:t>
+          </a:r>
+          <a:endParaRPr lang="en-US"/>
+        </a:p>
+      </dgm:t>
+    </dgm:pt>
+    <dgm:pt modelId="{45C8C5D8-FA72-4D68-9277-3A843F6987D2}" type="parTrans" cxnId="{49E2D6D9-754B-472D-9E28-1A6583C3C879}">
+      <dgm:prSet/>
+      <dgm:spPr/>
+      <dgm:t>
+        <a:bodyPr/>
+        <a:lstStyle/>
+        <a:p>
+          <a:endParaRPr lang="en-US"/>
+        </a:p>
+      </dgm:t>
+    </dgm:pt>
+    <dgm:pt modelId="{637DF778-5F0A-469E-B9D9-FD7CF4C34DA8}" type="sibTrans" cxnId="{49E2D6D9-754B-472D-9E28-1A6583C3C879}">
+      <dgm:prSet/>
+      <dgm:spPr/>
+      <dgm:t>
+        <a:bodyPr/>
+        <a:lstStyle/>
+        <a:p>
+          <a:endParaRPr lang="en-US"/>
+        </a:p>
+      </dgm:t>
+    </dgm:pt>
+    <dgm:pt modelId="{48C2E42F-B00C-47E1-8C39-3CDE6D391197}">
+      <dgm:prSet/>
+      <dgm:spPr/>
+      <dgm:t>
+        <a:bodyPr/>
+        <a:lstStyle/>
+        <a:p>
+          <a:r>
+            <a:rPr lang="en-GB"/>
+            <a:t>QT</a:t>
+          </a:r>
+          <a:endParaRPr lang="en-US"/>
+        </a:p>
+      </dgm:t>
+    </dgm:pt>
+    <dgm:pt modelId="{6B76C72B-AB38-43E0-A2A4-53295C0D49F0}" type="parTrans" cxnId="{5EF7BFFB-6D83-4A1C-8005-A91C4D6C4FDC}">
+      <dgm:prSet/>
+      <dgm:spPr/>
+      <dgm:t>
+        <a:bodyPr/>
+        <a:lstStyle/>
+        <a:p>
+          <a:endParaRPr lang="en-US"/>
+        </a:p>
+      </dgm:t>
+    </dgm:pt>
+    <dgm:pt modelId="{F030E808-24B8-46E3-A0CE-FF016C5DA76C}" type="sibTrans" cxnId="{5EF7BFFB-6D83-4A1C-8005-A91C4D6C4FDC}">
+      <dgm:prSet/>
+      <dgm:spPr/>
+      <dgm:t>
+        <a:bodyPr/>
+        <a:lstStyle/>
+        <a:p>
+          <a:endParaRPr lang="en-US"/>
+        </a:p>
+      </dgm:t>
+    </dgm:pt>
+    <dgm:pt modelId="{FDD11BE7-181B-4F1C-8F9F-4927D66CDE8B}">
+      <dgm:prSet/>
+      <dgm:spPr/>
+      <dgm:t>
+        <a:bodyPr/>
+        <a:lstStyle/>
+        <a:p>
+          <a:r>
+            <a:rPr lang="en-GB"/>
+            <a:t>Levels inlezen</a:t>
+          </a:r>
+          <a:endParaRPr lang="en-US"/>
+        </a:p>
+      </dgm:t>
+    </dgm:pt>
+    <dgm:pt modelId="{0C9F3F5E-7203-42CD-8C08-3BD51A35E745}" type="parTrans" cxnId="{22E98B99-7350-46AF-BDC5-4BB33556B75E}">
+      <dgm:prSet/>
+      <dgm:spPr/>
+      <dgm:t>
+        <a:bodyPr/>
+        <a:lstStyle/>
+        <a:p>
+          <a:endParaRPr lang="en-US"/>
+        </a:p>
+      </dgm:t>
+    </dgm:pt>
+    <dgm:pt modelId="{53FBA270-31A9-4DDF-82BA-2C48B1DD3B3F}" type="sibTrans" cxnId="{22E98B99-7350-46AF-BDC5-4BB33556B75E}">
+      <dgm:prSet/>
+      <dgm:spPr/>
+      <dgm:t>
+        <a:bodyPr/>
+        <a:lstStyle/>
+        <a:p>
+          <a:endParaRPr lang="en-US"/>
+        </a:p>
+      </dgm:t>
+    </dgm:pt>
+    <dgm:pt modelId="{D5980F7D-4CE1-4645-B67B-54F552FD0358}">
+      <dgm:prSet/>
+      <dgm:spPr/>
+      <dgm:t>
+        <a:bodyPr/>
+        <a:lstStyle/>
+        <a:p>
+          <a:r>
+            <a:rPr lang="en-GB"/>
+            <a:t>Txt-file </a:t>
+          </a:r>
+          <a:r>
+            <a:rPr lang="en-GB">
+              <a:sym typeface="Wingdings" panose="05000000000000000000" pitchFamily="2" charset="2"/>
+            </a:rPr>
+            <a:t></a:t>
+          </a:r>
+          <a:r>
+            <a:rPr lang="en-GB"/>
+            <a:t> . = path, # = wall, …</a:t>
+          </a:r>
+          <a:endParaRPr lang="en-US"/>
+        </a:p>
+      </dgm:t>
+    </dgm:pt>
+    <dgm:pt modelId="{059C06A4-A609-4753-AC1A-60EFA0F47AF6}" type="parTrans" cxnId="{025150AB-EA5D-4B89-9685-8510403E4F21}">
+      <dgm:prSet/>
+      <dgm:spPr/>
+      <dgm:t>
+        <a:bodyPr/>
+        <a:lstStyle/>
+        <a:p>
+          <a:endParaRPr lang="en-US"/>
+        </a:p>
+      </dgm:t>
+    </dgm:pt>
+    <dgm:pt modelId="{D536BED5-B9B1-4961-A2AB-0A751BAF7C15}" type="sibTrans" cxnId="{025150AB-EA5D-4B89-9685-8510403E4F21}">
+      <dgm:prSet/>
+      <dgm:spPr/>
+      <dgm:t>
+        <a:bodyPr/>
+        <a:lstStyle/>
+        <a:p>
+          <a:endParaRPr lang="en-US"/>
+        </a:p>
+      </dgm:t>
+    </dgm:pt>
+    <dgm:pt modelId="{A78D0A81-1FDA-4355-A125-1DAA3BCF2D17}">
+      <dgm:prSet/>
+      <dgm:spPr/>
+      <dgm:t>
+        <a:bodyPr/>
+        <a:lstStyle/>
+        <a:p>
+          <a:r>
+            <a:rPr lang="en-GB"/>
+            <a:t>Fog of war</a:t>
+          </a:r>
+          <a:endParaRPr lang="en-US"/>
+        </a:p>
+      </dgm:t>
+    </dgm:pt>
+    <dgm:pt modelId="{2C96C28B-ECAE-4D94-9B7A-C91CC01B5DF6}" type="parTrans" cxnId="{0EE02EE3-1806-4DE7-9946-E6C43008175C}">
+      <dgm:prSet/>
+      <dgm:spPr/>
+      <dgm:t>
+        <a:bodyPr/>
+        <a:lstStyle/>
+        <a:p>
+          <a:endParaRPr lang="en-US"/>
+        </a:p>
+      </dgm:t>
+    </dgm:pt>
+    <dgm:pt modelId="{5E6FA88D-B0F3-4B99-9B1B-77170B7F1A9F}" type="sibTrans" cxnId="{0EE02EE3-1806-4DE7-9946-E6C43008175C}">
+      <dgm:prSet/>
+      <dgm:spPr/>
+      <dgm:t>
+        <a:bodyPr/>
+        <a:lstStyle/>
+        <a:p>
+          <a:endParaRPr lang="en-US"/>
+        </a:p>
+      </dgm:t>
+    </dgm:pt>
+    <dgm:pt modelId="{664727BA-BE43-4E69-A186-5BF171814ECD}">
+      <dgm:prSet/>
+      <dgm:spPr/>
+      <dgm:t>
+        <a:bodyPr/>
+        <a:lstStyle/>
+        <a:p>
+          <a:r>
+            <a:rPr lang="en-GB"/>
+            <a:t>1 tile vision</a:t>
+          </a:r>
+          <a:endParaRPr lang="en-US"/>
+        </a:p>
+      </dgm:t>
+    </dgm:pt>
+    <dgm:pt modelId="{93B04E7B-F91E-47FB-A029-5E74B950173A}" type="parTrans" cxnId="{56FD6532-6396-4E25-8221-EDBF27CE9047}">
+      <dgm:prSet/>
+      <dgm:spPr/>
+      <dgm:t>
+        <a:bodyPr/>
+        <a:lstStyle/>
+        <a:p>
+          <a:endParaRPr lang="en-US"/>
+        </a:p>
+      </dgm:t>
+    </dgm:pt>
+    <dgm:pt modelId="{E372EB2F-5E03-4AD1-B48C-9D30BF4897D1}" type="sibTrans" cxnId="{56FD6532-6396-4E25-8221-EDBF27CE9047}">
+      <dgm:prSet/>
+      <dgm:spPr/>
+      <dgm:t>
+        <a:bodyPr/>
+        <a:lstStyle/>
+        <a:p>
+          <a:endParaRPr lang="en-US"/>
+        </a:p>
+      </dgm:t>
+    </dgm:pt>
+    <dgm:pt modelId="{22CAE0FE-4A6D-4704-BCB4-68C2F506AB15}" type="pres">
+      <dgm:prSet presAssocID="{81023D7B-141E-47D3-82EE-96A0AC95CA4E}" presName="Name0" presStyleCnt="0">
+        <dgm:presLayoutVars>
+          <dgm:dir/>
+          <dgm:animLvl val="lvl"/>
+          <dgm:resizeHandles val="exact"/>
+        </dgm:presLayoutVars>
+      </dgm:prSet>
+      <dgm:spPr/>
+    </dgm:pt>
+    <dgm:pt modelId="{7A3A20B7-0CC2-4A33-902F-359B56E45544}" type="pres">
+      <dgm:prSet presAssocID="{63900C2B-9DA1-4AFB-9D5D-7362BF75A8BC}" presName="composite" presStyleCnt="0"/>
+      <dgm:spPr/>
+    </dgm:pt>
+    <dgm:pt modelId="{3F8B50A9-10B6-4503-9E28-C140BF5B53FB}" type="pres">
+      <dgm:prSet presAssocID="{63900C2B-9DA1-4AFB-9D5D-7362BF75A8BC}" presName="parTx" presStyleLbl="alignNode1" presStyleIdx="0" presStyleCnt="5">
+        <dgm:presLayoutVars>
+          <dgm:chMax val="0"/>
+          <dgm:chPref val="0"/>
+          <dgm:bulletEnabled val="1"/>
+        </dgm:presLayoutVars>
+      </dgm:prSet>
+      <dgm:spPr/>
+    </dgm:pt>
+    <dgm:pt modelId="{02CEAD87-2A20-4B31-B8B3-05E57C8F6EA6}" type="pres">
+      <dgm:prSet presAssocID="{63900C2B-9DA1-4AFB-9D5D-7362BF75A8BC}" presName="desTx" presStyleLbl="alignAccFollowNode1" presStyleIdx="0" presStyleCnt="5">
+        <dgm:presLayoutVars>
+          <dgm:bulletEnabled val="1"/>
+        </dgm:presLayoutVars>
+      </dgm:prSet>
+      <dgm:spPr/>
+    </dgm:pt>
+    <dgm:pt modelId="{5FC04C9F-0E12-4531-982D-05EDF42FED83}" type="pres">
+      <dgm:prSet presAssocID="{735F739A-7862-46FE-A56A-BDABECD1D346}" presName="space" presStyleCnt="0"/>
+      <dgm:spPr/>
+    </dgm:pt>
+    <dgm:pt modelId="{CE3EDC1B-88AB-426E-821A-2E71D9F6A9AE}" type="pres">
+      <dgm:prSet presAssocID="{A3E43096-D2E1-4EE0-8045-185235D8CBD3}" presName="composite" presStyleCnt="0"/>
+      <dgm:spPr/>
+    </dgm:pt>
+    <dgm:pt modelId="{F8D2FCB4-B759-44E9-B26F-49FBC010CE16}" type="pres">
+      <dgm:prSet presAssocID="{A3E43096-D2E1-4EE0-8045-185235D8CBD3}" presName="parTx" presStyleLbl="alignNode1" presStyleIdx="1" presStyleCnt="5">
+        <dgm:presLayoutVars>
+          <dgm:chMax val="0"/>
+          <dgm:chPref val="0"/>
+          <dgm:bulletEnabled val="1"/>
+        </dgm:presLayoutVars>
+      </dgm:prSet>
+      <dgm:spPr/>
+    </dgm:pt>
+    <dgm:pt modelId="{3694CF61-C77A-4C91-A429-B0C6DCCE15A7}" type="pres">
+      <dgm:prSet presAssocID="{A3E43096-D2E1-4EE0-8045-185235D8CBD3}" presName="desTx" presStyleLbl="alignAccFollowNode1" presStyleIdx="1" presStyleCnt="5">
+        <dgm:presLayoutVars>
+          <dgm:bulletEnabled val="1"/>
+        </dgm:presLayoutVars>
+      </dgm:prSet>
+      <dgm:spPr/>
+    </dgm:pt>
+    <dgm:pt modelId="{534B41DA-909B-459A-B0A1-4D0AE193F19A}" type="pres">
+      <dgm:prSet presAssocID="{89149FD0-CA52-4E6D-95BF-B732B6321062}" presName="space" presStyleCnt="0"/>
+      <dgm:spPr/>
+    </dgm:pt>
+    <dgm:pt modelId="{CDD4A140-A7FC-4AFA-A1F9-4DEF8E42266C}" type="pres">
+      <dgm:prSet presAssocID="{CD1C4DE0-A298-4184-8E86-5FAD160E5733}" presName="composite" presStyleCnt="0"/>
+      <dgm:spPr/>
+    </dgm:pt>
+    <dgm:pt modelId="{9532D74A-7EF7-47C0-916A-08AAB55FD270}" type="pres">
+      <dgm:prSet presAssocID="{CD1C4DE0-A298-4184-8E86-5FAD160E5733}" presName="parTx" presStyleLbl="alignNode1" presStyleIdx="2" presStyleCnt="5">
+        <dgm:presLayoutVars>
+          <dgm:chMax val="0"/>
+          <dgm:chPref val="0"/>
+          <dgm:bulletEnabled val="1"/>
+        </dgm:presLayoutVars>
+      </dgm:prSet>
+      <dgm:spPr/>
+    </dgm:pt>
+    <dgm:pt modelId="{06A29156-8AD8-4F7A-8D08-AA58C110E4E4}" type="pres">
+      <dgm:prSet presAssocID="{CD1C4DE0-A298-4184-8E86-5FAD160E5733}" presName="desTx" presStyleLbl="alignAccFollowNode1" presStyleIdx="2" presStyleCnt="5">
+        <dgm:presLayoutVars>
+          <dgm:bulletEnabled val="1"/>
+        </dgm:presLayoutVars>
+      </dgm:prSet>
+      <dgm:spPr/>
+    </dgm:pt>
+    <dgm:pt modelId="{3C45711B-B159-474F-A3A1-04614236BEE1}" type="pres">
+      <dgm:prSet presAssocID="{637DF778-5F0A-469E-B9D9-FD7CF4C34DA8}" presName="space" presStyleCnt="0"/>
+      <dgm:spPr/>
+    </dgm:pt>
+    <dgm:pt modelId="{4262AF95-0EB4-42CE-A2F8-91AA47884CE4}" type="pres">
+      <dgm:prSet presAssocID="{FDD11BE7-181B-4F1C-8F9F-4927D66CDE8B}" presName="composite" presStyleCnt="0"/>
+      <dgm:spPr/>
+    </dgm:pt>
+    <dgm:pt modelId="{341BB02D-F94A-492E-B9F4-F398C43D024C}" type="pres">
+      <dgm:prSet presAssocID="{FDD11BE7-181B-4F1C-8F9F-4927D66CDE8B}" presName="parTx" presStyleLbl="alignNode1" presStyleIdx="3" presStyleCnt="5">
+        <dgm:presLayoutVars>
+          <dgm:chMax val="0"/>
+          <dgm:chPref val="0"/>
+          <dgm:bulletEnabled val="1"/>
+        </dgm:presLayoutVars>
+      </dgm:prSet>
+      <dgm:spPr/>
+    </dgm:pt>
+    <dgm:pt modelId="{B9920317-3CBA-4996-9FE4-3FC2445F6540}" type="pres">
+      <dgm:prSet presAssocID="{FDD11BE7-181B-4F1C-8F9F-4927D66CDE8B}" presName="desTx" presStyleLbl="alignAccFollowNode1" presStyleIdx="3" presStyleCnt="5">
+        <dgm:presLayoutVars>
+          <dgm:bulletEnabled val="1"/>
+        </dgm:presLayoutVars>
+      </dgm:prSet>
+      <dgm:spPr/>
+    </dgm:pt>
+    <dgm:pt modelId="{A3D1B81B-D52F-461D-84A3-05FD9091CE38}" type="pres">
+      <dgm:prSet presAssocID="{53FBA270-31A9-4DDF-82BA-2C48B1DD3B3F}" presName="space" presStyleCnt="0"/>
+      <dgm:spPr/>
+    </dgm:pt>
+    <dgm:pt modelId="{2F38B968-74A7-4144-AE29-2E8B493F905D}" type="pres">
+      <dgm:prSet presAssocID="{A78D0A81-1FDA-4355-A125-1DAA3BCF2D17}" presName="composite" presStyleCnt="0"/>
+      <dgm:spPr/>
+    </dgm:pt>
+    <dgm:pt modelId="{61590EC1-977B-477F-9C7D-346A06E742E3}" type="pres">
+      <dgm:prSet presAssocID="{A78D0A81-1FDA-4355-A125-1DAA3BCF2D17}" presName="parTx" presStyleLbl="alignNode1" presStyleIdx="4" presStyleCnt="5">
+        <dgm:presLayoutVars>
+          <dgm:chMax val="0"/>
+          <dgm:chPref val="0"/>
+          <dgm:bulletEnabled val="1"/>
+        </dgm:presLayoutVars>
+      </dgm:prSet>
+      <dgm:spPr/>
+    </dgm:pt>
+    <dgm:pt modelId="{AD0E2291-0063-489E-8B5B-62A5D02421DE}" type="pres">
+      <dgm:prSet presAssocID="{A78D0A81-1FDA-4355-A125-1DAA3BCF2D17}" presName="desTx" presStyleLbl="alignAccFollowNode1" presStyleIdx="4" presStyleCnt="5">
+        <dgm:presLayoutVars>
+          <dgm:bulletEnabled val="1"/>
+        </dgm:presLayoutVars>
+      </dgm:prSet>
+      <dgm:spPr/>
+    </dgm:pt>
+  </dgm:ptLst>
+  <dgm:cxnLst>
+    <dgm:cxn modelId="{633DEC08-955A-44D7-AC3B-4A484EDD12FF}" type="presOf" srcId="{A78D0A81-1FDA-4355-A125-1DAA3BCF2D17}" destId="{61590EC1-977B-477F-9C7D-346A06E742E3}" srcOrd="0" destOrd="0" presId="urn:microsoft.com/office/officeart/2005/8/layout/hList1"/>
+    <dgm:cxn modelId="{4E05010D-4C1E-4964-9617-B8EE70C40B3D}" type="presOf" srcId="{E9AF53FD-3331-4688-B999-3FA2751488B6}" destId="{02CEAD87-2A20-4B31-B8B3-05E57C8F6EA6}" srcOrd="0" destOrd="0" presId="urn:microsoft.com/office/officeart/2005/8/layout/hList1"/>
+    <dgm:cxn modelId="{56FD6532-6396-4E25-8221-EDBF27CE9047}" srcId="{A78D0A81-1FDA-4355-A125-1DAA3BCF2D17}" destId="{664727BA-BE43-4E69-A186-5BF171814ECD}" srcOrd="0" destOrd="0" parTransId="{93B04E7B-F91E-47FB-A029-5E74B950173A}" sibTransId="{E372EB2F-5E03-4AD1-B48C-9D30BF4897D1}"/>
+    <dgm:cxn modelId="{0851263B-BB4B-440B-889C-910377BE8981}" type="presOf" srcId="{664727BA-BE43-4E69-A186-5BF171814ECD}" destId="{AD0E2291-0063-489E-8B5B-62A5D02421DE}" srcOrd="0" destOrd="0" presId="urn:microsoft.com/office/officeart/2005/8/layout/hList1"/>
+    <dgm:cxn modelId="{A7A0BF49-3206-4790-8207-200BF160E402}" srcId="{81023D7B-141E-47D3-82EE-96A0AC95CA4E}" destId="{63900C2B-9DA1-4AFB-9D5D-7362BF75A8BC}" srcOrd="0" destOrd="0" parTransId="{1F056877-57B5-4713-B132-CEF8F125E853}" sibTransId="{735F739A-7862-46FE-A56A-BDABECD1D346}"/>
+    <dgm:cxn modelId="{73ED0452-6353-4737-B27D-105B9DF2DAA5}" type="presOf" srcId="{E7E72E7D-2B79-4453-84A4-5181163D3A02}" destId="{3694CF61-C77A-4C91-A429-B0C6DCCE15A7}" srcOrd="0" destOrd="1" presId="urn:microsoft.com/office/officeart/2005/8/layout/hList1"/>
+    <dgm:cxn modelId="{A7F14374-44A6-4F1E-BB50-E702A2AF35B3}" type="presOf" srcId="{0E03407A-36F3-4B24-AFE5-0B03196B57DA}" destId="{02CEAD87-2A20-4B31-B8B3-05E57C8F6EA6}" srcOrd="0" destOrd="1" presId="urn:microsoft.com/office/officeart/2005/8/layout/hList1"/>
+    <dgm:cxn modelId="{3139827C-D3A9-4AF9-BAC9-159C5CDC8C32}" type="presOf" srcId="{CD1C4DE0-A298-4184-8E86-5FAD160E5733}" destId="{9532D74A-7EF7-47C0-916A-08AAB55FD270}" srcOrd="0" destOrd="0" presId="urn:microsoft.com/office/officeart/2005/8/layout/hList1"/>
+    <dgm:cxn modelId="{1A8E7C82-AF17-4A65-AF76-A68C4D7DACB2}" type="presOf" srcId="{A3E43096-D2E1-4EE0-8045-185235D8CBD3}" destId="{F8D2FCB4-B759-44E9-B26F-49FBC010CE16}" srcOrd="0" destOrd="0" presId="urn:microsoft.com/office/officeart/2005/8/layout/hList1"/>
+    <dgm:cxn modelId="{2D8D9D8D-A55A-4F4E-93D6-51A44A0443D6}" type="presOf" srcId="{48C2E42F-B00C-47E1-8C39-3CDE6D391197}" destId="{06A29156-8AD8-4F7A-8D08-AA58C110E4E4}" srcOrd="0" destOrd="0" presId="urn:microsoft.com/office/officeart/2005/8/layout/hList1"/>
+    <dgm:cxn modelId="{DD02B694-72F7-42DD-AE89-92CE6E6128E2}" srcId="{A3E43096-D2E1-4EE0-8045-185235D8CBD3}" destId="{E7CBA024-8B64-42C9-ACE8-A1B94135E56F}" srcOrd="0" destOrd="0" parTransId="{AAEF3980-1120-4A27-A6BC-D50FB4E2E103}" sibTransId="{8F83E066-024E-4974-BD43-61F69468E7C1}"/>
+    <dgm:cxn modelId="{22E98B99-7350-46AF-BDC5-4BB33556B75E}" srcId="{81023D7B-141E-47D3-82EE-96A0AC95CA4E}" destId="{FDD11BE7-181B-4F1C-8F9F-4927D66CDE8B}" srcOrd="3" destOrd="0" parTransId="{0C9F3F5E-7203-42CD-8C08-3BD51A35E745}" sibTransId="{53FBA270-31A9-4DDF-82BA-2C48B1DD3B3F}"/>
+    <dgm:cxn modelId="{111BE799-337A-4ECE-9AAE-763A8D687A35}" srcId="{E9AF53FD-3331-4688-B999-3FA2751488B6}" destId="{0E03407A-36F3-4B24-AFE5-0B03196B57DA}" srcOrd="0" destOrd="0" parTransId="{E918ACA6-6B91-439A-914C-E074A868C37E}" sibTransId="{A08685A0-9BC6-4185-9643-3F9D707F67BD}"/>
+    <dgm:cxn modelId="{025150AB-EA5D-4B89-9685-8510403E4F21}" srcId="{FDD11BE7-181B-4F1C-8F9F-4927D66CDE8B}" destId="{D5980F7D-4CE1-4645-B67B-54F552FD0358}" srcOrd="0" destOrd="0" parTransId="{059C06A4-A609-4753-AC1A-60EFA0F47AF6}" sibTransId="{D536BED5-B9B1-4961-A2AB-0A751BAF7C15}"/>
+    <dgm:cxn modelId="{C0B24AB8-0767-4408-9C28-FC1B88F0B969}" type="presOf" srcId="{E7CBA024-8B64-42C9-ACE8-A1B94135E56F}" destId="{3694CF61-C77A-4C91-A429-B0C6DCCE15A7}" srcOrd="0" destOrd="0" presId="urn:microsoft.com/office/officeart/2005/8/layout/hList1"/>
+    <dgm:cxn modelId="{AEE92BC0-4C2B-4950-B5BC-0D6A9C918BDA}" type="presOf" srcId="{FDD11BE7-181B-4F1C-8F9F-4927D66CDE8B}" destId="{341BB02D-F94A-492E-B9F4-F398C43D024C}" srcOrd="0" destOrd="0" presId="urn:microsoft.com/office/officeart/2005/8/layout/hList1"/>
+    <dgm:cxn modelId="{280FECC3-9A44-4041-AED9-DCDA684E6F82}" type="presOf" srcId="{81023D7B-141E-47D3-82EE-96A0AC95CA4E}" destId="{22CAE0FE-4A6D-4704-BCB4-68C2F506AB15}" srcOrd="0" destOrd="0" presId="urn:microsoft.com/office/officeart/2005/8/layout/hList1"/>
+    <dgm:cxn modelId="{50DFADCE-9C9B-4427-94B6-042C05B9532D}" type="presOf" srcId="{D5980F7D-4CE1-4645-B67B-54F552FD0358}" destId="{B9920317-3CBA-4996-9FE4-3FC2445F6540}" srcOrd="0" destOrd="0" presId="urn:microsoft.com/office/officeart/2005/8/layout/hList1"/>
+    <dgm:cxn modelId="{5E5201D3-61AA-4BF2-B757-2D6AC2951C1D}" srcId="{81023D7B-141E-47D3-82EE-96A0AC95CA4E}" destId="{A3E43096-D2E1-4EE0-8045-185235D8CBD3}" srcOrd="1" destOrd="0" parTransId="{4A385EF9-BF0F-473F-AE79-5C2FAF1B75E5}" sibTransId="{89149FD0-CA52-4E6D-95BF-B732B6321062}"/>
+    <dgm:cxn modelId="{49E2D6D9-754B-472D-9E28-1A6583C3C879}" srcId="{81023D7B-141E-47D3-82EE-96A0AC95CA4E}" destId="{CD1C4DE0-A298-4184-8E86-5FAD160E5733}" srcOrd="2" destOrd="0" parTransId="{45C8C5D8-FA72-4D68-9277-3A843F6987D2}" sibTransId="{637DF778-5F0A-469E-B9D9-FD7CF4C34DA8}"/>
+    <dgm:cxn modelId="{2A713CE2-D247-4E59-AB67-429649450B07}" srcId="{E7CBA024-8B64-42C9-ACE8-A1B94135E56F}" destId="{E7E72E7D-2B79-4453-84A4-5181163D3A02}" srcOrd="0" destOrd="0" parTransId="{60A27EA3-864F-48D3-AB49-66CA4C14BFF0}" sibTransId="{807F9DA6-21BA-4FD8-8AD3-6AF936B72509}"/>
+    <dgm:cxn modelId="{0EE02EE3-1806-4DE7-9946-E6C43008175C}" srcId="{81023D7B-141E-47D3-82EE-96A0AC95CA4E}" destId="{A78D0A81-1FDA-4355-A125-1DAA3BCF2D17}" srcOrd="4" destOrd="0" parTransId="{2C96C28B-ECAE-4D94-9B7A-C91CC01B5DF6}" sibTransId="{5E6FA88D-B0F3-4B99-9B1B-77170B7F1A9F}"/>
+    <dgm:cxn modelId="{2296CBF3-193F-4210-B787-0A4BF6BF14AC}" srcId="{63900C2B-9DA1-4AFB-9D5D-7362BF75A8BC}" destId="{E9AF53FD-3331-4688-B999-3FA2751488B6}" srcOrd="0" destOrd="0" parTransId="{5AA2505D-14E1-40C1-B0AC-8758229D7849}" sibTransId="{2352738C-F70E-490C-8F64-95EAB52F6CC1}"/>
+    <dgm:cxn modelId="{5EF7BFFB-6D83-4A1C-8005-A91C4D6C4FDC}" srcId="{CD1C4DE0-A298-4184-8E86-5FAD160E5733}" destId="{48C2E42F-B00C-47E1-8C39-3CDE6D391197}" srcOrd="0" destOrd="0" parTransId="{6B76C72B-AB38-43E0-A2A4-53295C0D49F0}" sibTransId="{F030E808-24B8-46E3-A0CE-FF016C5DA76C}"/>
+    <dgm:cxn modelId="{BCF7F9FE-75AA-4514-BED0-04080C35A79C}" type="presOf" srcId="{63900C2B-9DA1-4AFB-9D5D-7362BF75A8BC}" destId="{3F8B50A9-10B6-4503-9E28-C140BF5B53FB}" srcOrd="0" destOrd="0" presId="urn:microsoft.com/office/officeart/2005/8/layout/hList1"/>
+    <dgm:cxn modelId="{2A88EA36-A226-4CCE-AE66-CC98E2EA85B7}" type="presParOf" srcId="{22CAE0FE-4A6D-4704-BCB4-68C2F506AB15}" destId="{7A3A20B7-0CC2-4A33-902F-359B56E45544}" srcOrd="0" destOrd="0" presId="urn:microsoft.com/office/officeart/2005/8/layout/hList1"/>
+    <dgm:cxn modelId="{2FA9256B-6DE9-4B76-9297-6FC46FB03BA2}" type="presParOf" srcId="{7A3A20B7-0CC2-4A33-902F-359B56E45544}" destId="{3F8B50A9-10B6-4503-9E28-C140BF5B53FB}" srcOrd="0" destOrd="0" presId="urn:microsoft.com/office/officeart/2005/8/layout/hList1"/>
+    <dgm:cxn modelId="{C2D715BA-F702-41E4-9D80-7708FD8BD886}" type="presParOf" srcId="{7A3A20B7-0CC2-4A33-902F-359B56E45544}" destId="{02CEAD87-2A20-4B31-B8B3-05E57C8F6EA6}" srcOrd="1" destOrd="0" presId="urn:microsoft.com/office/officeart/2005/8/layout/hList1"/>
+    <dgm:cxn modelId="{FA180A70-031F-4215-A562-9A82B28161F3}" type="presParOf" srcId="{22CAE0FE-4A6D-4704-BCB4-68C2F506AB15}" destId="{5FC04C9F-0E12-4531-982D-05EDF42FED83}" srcOrd="1" destOrd="0" presId="urn:microsoft.com/office/officeart/2005/8/layout/hList1"/>
+    <dgm:cxn modelId="{99D0632A-C60F-4485-9E26-A280B6F59456}" type="presParOf" srcId="{22CAE0FE-4A6D-4704-BCB4-68C2F506AB15}" destId="{CE3EDC1B-88AB-426E-821A-2E71D9F6A9AE}" srcOrd="2" destOrd="0" presId="urn:microsoft.com/office/officeart/2005/8/layout/hList1"/>
+    <dgm:cxn modelId="{62D9F9F9-81CC-46A8-A201-BEDA77BBA937}" type="presParOf" srcId="{CE3EDC1B-88AB-426E-821A-2E71D9F6A9AE}" destId="{F8D2FCB4-B759-44E9-B26F-49FBC010CE16}" srcOrd="0" destOrd="0" presId="urn:microsoft.com/office/officeart/2005/8/layout/hList1"/>
+    <dgm:cxn modelId="{2A520535-35B1-443F-B221-2B4F209C6DBE}" type="presParOf" srcId="{CE3EDC1B-88AB-426E-821A-2E71D9F6A9AE}" destId="{3694CF61-C77A-4C91-A429-B0C6DCCE15A7}" srcOrd="1" destOrd="0" presId="urn:microsoft.com/office/officeart/2005/8/layout/hList1"/>
+    <dgm:cxn modelId="{B55C079F-1481-4801-8224-07128F625CD1}" type="presParOf" srcId="{22CAE0FE-4A6D-4704-BCB4-68C2F506AB15}" destId="{534B41DA-909B-459A-B0A1-4D0AE193F19A}" srcOrd="3" destOrd="0" presId="urn:microsoft.com/office/officeart/2005/8/layout/hList1"/>
+    <dgm:cxn modelId="{18458631-F65C-4B4A-B544-E61774BCAB38}" type="presParOf" srcId="{22CAE0FE-4A6D-4704-BCB4-68C2F506AB15}" destId="{CDD4A140-A7FC-4AFA-A1F9-4DEF8E42266C}" srcOrd="4" destOrd="0" presId="urn:microsoft.com/office/officeart/2005/8/layout/hList1"/>
+    <dgm:cxn modelId="{B2644354-4D0A-4C70-B4A8-7FE854A0E4A2}" type="presParOf" srcId="{CDD4A140-A7FC-4AFA-A1F9-4DEF8E42266C}" destId="{9532D74A-7EF7-47C0-916A-08AAB55FD270}" srcOrd="0" destOrd="0" presId="urn:microsoft.com/office/officeart/2005/8/layout/hList1"/>
+    <dgm:cxn modelId="{FEF22C7F-5446-443B-8AD0-E22A17899DC5}" type="presParOf" srcId="{CDD4A140-A7FC-4AFA-A1F9-4DEF8E42266C}" destId="{06A29156-8AD8-4F7A-8D08-AA58C110E4E4}" srcOrd="1" destOrd="0" presId="urn:microsoft.com/office/officeart/2005/8/layout/hList1"/>
+    <dgm:cxn modelId="{F853D0F1-DD2C-4953-9319-09D56B6697C7}" type="presParOf" srcId="{22CAE0FE-4A6D-4704-BCB4-68C2F506AB15}" destId="{3C45711B-B159-474F-A3A1-04614236BEE1}" srcOrd="5" destOrd="0" presId="urn:microsoft.com/office/officeart/2005/8/layout/hList1"/>
+    <dgm:cxn modelId="{9210523D-BFF6-45E2-82D6-79482B8CD3A6}" type="presParOf" srcId="{22CAE0FE-4A6D-4704-BCB4-68C2F506AB15}" destId="{4262AF95-0EB4-42CE-A2F8-91AA47884CE4}" srcOrd="6" destOrd="0" presId="urn:microsoft.com/office/officeart/2005/8/layout/hList1"/>
+    <dgm:cxn modelId="{503E986A-014A-4867-BB46-1C4FA730D6CF}" type="presParOf" srcId="{4262AF95-0EB4-42CE-A2F8-91AA47884CE4}" destId="{341BB02D-F94A-492E-B9F4-F398C43D024C}" srcOrd="0" destOrd="0" presId="urn:microsoft.com/office/officeart/2005/8/layout/hList1"/>
+    <dgm:cxn modelId="{81742636-0444-4B10-A203-C9F2BFE15CA6}" type="presParOf" srcId="{4262AF95-0EB4-42CE-A2F8-91AA47884CE4}" destId="{B9920317-3CBA-4996-9FE4-3FC2445F6540}" srcOrd="1" destOrd="0" presId="urn:microsoft.com/office/officeart/2005/8/layout/hList1"/>
+    <dgm:cxn modelId="{6F439E5F-6DA2-469F-9DCD-AFC3165657CF}" type="presParOf" srcId="{22CAE0FE-4A6D-4704-BCB4-68C2F506AB15}" destId="{A3D1B81B-D52F-461D-84A3-05FD9091CE38}" srcOrd="7" destOrd="0" presId="urn:microsoft.com/office/officeart/2005/8/layout/hList1"/>
+    <dgm:cxn modelId="{18D31D33-AB01-42CF-95F2-D3F6628D65DB}" type="presParOf" srcId="{22CAE0FE-4A6D-4704-BCB4-68C2F506AB15}" destId="{2F38B968-74A7-4144-AE29-2E8B493F905D}" srcOrd="8" destOrd="0" presId="urn:microsoft.com/office/officeart/2005/8/layout/hList1"/>
+    <dgm:cxn modelId="{B9113CCF-DEF0-410E-B237-13A164F53394}" type="presParOf" srcId="{2F38B968-74A7-4144-AE29-2E8B493F905D}" destId="{61590EC1-977B-477F-9C7D-346A06E742E3}" srcOrd="0" destOrd="0" presId="urn:microsoft.com/office/officeart/2005/8/layout/hList1"/>
+    <dgm:cxn modelId="{93F0A62B-4A69-4F1D-8B1A-E5F3689C55C2}" type="presParOf" srcId="{2F38B968-74A7-4144-AE29-2E8B493F905D}" destId="{AD0E2291-0063-489E-8B5B-62A5D02421DE}" srcOrd="1" destOrd="0" presId="urn:microsoft.com/office/officeart/2005/8/layout/hList1"/>
   </dgm:cxnLst>
   <dgm:bg/>
   <dgm:whole/>
@@ -4636,10 +6158,18 @@
             <a:buChar char="•"/>
           </a:pPr>
           <a:r>
-            <a:rPr lang="en-GB" sz="1800" kern="1200"/>
-            <a:t>Regex van de kortste route </a:t>
+            <a:rPr lang="en-GB" sz="1800" kern="1200" dirty="0"/>
+            <a:t>Regex van de </a:t>
           </a:r>
-          <a:endParaRPr lang="en-US" sz="1800" kern="1200"/>
+          <a:r>
+            <a:rPr lang="en-GB" sz="1800" kern="1200" dirty="0" err="1"/>
+            <a:t>kortste</a:t>
+          </a:r>
+          <a:r>
+            <a:rPr lang="en-GB" sz="1800" kern="1200" dirty="0"/>
+            <a:t> route </a:t>
+          </a:r>
+          <a:endParaRPr lang="en-US" sz="1800" kern="1200" dirty="0"/>
         </a:p>
       </dsp:txBody>
       <dsp:txXfrm>
@@ -4805,6 +6335,876 @@
       <dsp:txXfrm>
         <a:off x="7779077" y="1237169"/>
         <a:ext cx="1704962" cy="1531710"/>
+      </dsp:txXfrm>
+    </dsp:sp>
+  </dsp:spTree>
+</dsp:drawing>
+</file>
+
+<file path=ppt/diagrams/drawing3.xml><?xml version="1.0" encoding="utf-8"?>
+<dsp:drawing xmlns:dgm="http://schemas.openxmlformats.org/drawingml/2006/diagram" xmlns:dsp="http://schemas.microsoft.com/office/drawing/2008/diagram" xmlns:a="http://schemas.openxmlformats.org/drawingml/2006/main">
+  <dsp:spTree>
+    <dsp:nvGrpSpPr>
+      <dsp:cNvPr id="0" name=""/>
+      <dsp:cNvGrpSpPr/>
+    </dsp:nvGrpSpPr>
+    <dsp:grpSpPr/>
+    <dsp:sp modelId="{3F8B50A9-10B6-4503-9E28-C140BF5B53FB}">
+      <dsp:nvSpPr>
+        <dsp:cNvPr id="0" name=""/>
+        <dsp:cNvSpPr/>
+      </dsp:nvSpPr>
+      <dsp:spPr>
+        <a:xfrm>
+          <a:off x="4325" y="415364"/>
+          <a:ext cx="1658181" cy="619854"/>
+        </a:xfrm>
+        <a:prstGeom prst="rect">
+          <a:avLst/>
+        </a:prstGeom>
+        <a:solidFill>
+          <a:schemeClr val="accent1">
+            <a:hueOff val="0"/>
+            <a:satOff val="0"/>
+            <a:lumOff val="0"/>
+            <a:alphaOff val="0"/>
+          </a:schemeClr>
+        </a:solidFill>
+        <a:ln w="12700" cap="flat" cmpd="sng" algn="ctr">
+          <a:solidFill>
+            <a:schemeClr val="accent1">
+              <a:hueOff val="0"/>
+              <a:satOff val="0"/>
+              <a:lumOff val="0"/>
+              <a:alphaOff val="0"/>
+            </a:schemeClr>
+          </a:solidFill>
+          <a:prstDash val="solid"/>
+          <a:miter lim="800000"/>
+        </a:ln>
+        <a:effectLst/>
+      </dsp:spPr>
+      <dsp:style>
+        <a:lnRef idx="2">
+          <a:scrgbClr r="0" g="0" b="0"/>
+        </a:lnRef>
+        <a:fillRef idx="1">
+          <a:scrgbClr r="0" g="0" b="0"/>
+        </a:fillRef>
+        <a:effectRef idx="0">
+          <a:scrgbClr r="0" g="0" b="0"/>
+        </a:effectRef>
+        <a:fontRef idx="minor">
+          <a:schemeClr val="lt1"/>
+        </a:fontRef>
+      </dsp:style>
+      <dsp:txBody>
+        <a:bodyPr spcFirstLastPara="0" vert="horz" wrap="square" lIns="120904" tIns="69088" rIns="120904" bIns="69088" numCol="1" spcCol="1270" anchor="ctr" anchorCtr="0">
+          <a:noAutofit/>
+        </a:bodyPr>
+        <a:lstStyle/>
+        <a:p>
+          <a:pPr marL="0" lvl="0" indent="0" algn="ctr" defTabSz="755650">
+            <a:lnSpc>
+              <a:spcPct val="90000"/>
+            </a:lnSpc>
+            <a:spcBef>
+              <a:spcPct val="0"/>
+            </a:spcBef>
+            <a:spcAft>
+              <a:spcPct val="35000"/>
+            </a:spcAft>
+            <a:buNone/>
+          </a:pPr>
+          <a:r>
+            <a:rPr lang="en-GB" sz="1700" kern="1200"/>
+            <a:t>Enemy trainer</a:t>
+          </a:r>
+          <a:endParaRPr lang="en-US" sz="1700" kern="1200"/>
+        </a:p>
+      </dsp:txBody>
+      <dsp:txXfrm>
+        <a:off x="4325" y="415364"/>
+        <a:ext cx="1658181" cy="619854"/>
+      </dsp:txXfrm>
+    </dsp:sp>
+    <dsp:sp modelId="{02CEAD87-2A20-4B31-B8B3-05E57C8F6EA6}">
+      <dsp:nvSpPr>
+        <dsp:cNvPr id="0" name=""/>
+        <dsp:cNvSpPr/>
+      </dsp:nvSpPr>
+      <dsp:spPr>
+        <a:xfrm>
+          <a:off x="4325" y="1035218"/>
+          <a:ext cx="1658181" cy="1975241"/>
+        </a:xfrm>
+        <a:prstGeom prst="rect">
+          <a:avLst/>
+        </a:prstGeom>
+        <a:solidFill>
+          <a:schemeClr val="accent1">
+            <a:alpha val="90000"/>
+            <a:tint val="40000"/>
+            <a:hueOff val="0"/>
+            <a:satOff val="0"/>
+            <a:lumOff val="0"/>
+            <a:alphaOff val="0"/>
+          </a:schemeClr>
+        </a:solidFill>
+        <a:ln w="12700" cap="flat" cmpd="sng" algn="ctr">
+          <a:solidFill>
+            <a:schemeClr val="accent1">
+              <a:alpha val="90000"/>
+              <a:tint val="40000"/>
+              <a:hueOff val="0"/>
+              <a:satOff val="0"/>
+              <a:lumOff val="0"/>
+              <a:alphaOff val="0"/>
+            </a:schemeClr>
+          </a:solidFill>
+          <a:prstDash val="solid"/>
+          <a:miter lim="800000"/>
+        </a:ln>
+        <a:effectLst/>
+      </dsp:spPr>
+      <dsp:style>
+        <a:lnRef idx="2">
+          <a:scrgbClr r="0" g="0" b="0"/>
+        </a:lnRef>
+        <a:fillRef idx="1">
+          <a:scrgbClr r="0" g="0" b="0"/>
+        </a:fillRef>
+        <a:effectRef idx="0">
+          <a:scrgbClr r="0" g="0" b="0"/>
+        </a:effectRef>
+        <a:fontRef idx="minor"/>
+      </dsp:style>
+      <dsp:txBody>
+        <a:bodyPr spcFirstLastPara="0" vert="horz" wrap="square" lIns="90678" tIns="90678" rIns="120904" bIns="136017" numCol="1" spcCol="1270" anchor="t" anchorCtr="0">
+          <a:noAutofit/>
+        </a:bodyPr>
+        <a:lstStyle/>
+        <a:p>
+          <a:pPr marL="171450" lvl="1" indent="-171450" algn="l" defTabSz="755650">
+            <a:lnSpc>
+              <a:spcPct val="90000"/>
+            </a:lnSpc>
+            <a:spcBef>
+              <a:spcPct val="0"/>
+            </a:spcBef>
+            <a:spcAft>
+              <a:spcPct val="15000"/>
+            </a:spcAft>
+            <a:buChar char="•"/>
+          </a:pPr>
+          <a:r>
+            <a:rPr lang="en-GB" sz="1700" kern="1200"/>
+            <a:t>Txt-file inlezen</a:t>
+          </a:r>
+          <a:endParaRPr lang="en-US" sz="1700" kern="1200"/>
+        </a:p>
+        <a:p>
+          <a:pPr marL="342900" lvl="2" indent="-171450" algn="l" defTabSz="755650">
+            <a:lnSpc>
+              <a:spcPct val="90000"/>
+            </a:lnSpc>
+            <a:spcBef>
+              <a:spcPct val="0"/>
+            </a:spcBef>
+            <a:spcAft>
+              <a:spcPct val="15000"/>
+            </a:spcAft>
+            <a:buChar char="•"/>
+          </a:pPr>
+          <a:r>
+            <a:rPr lang="en-GB" sz="1700" kern="1200"/>
+            <a:t>Bv. waawssa…</a:t>
+          </a:r>
+          <a:endParaRPr lang="en-US" sz="1700" kern="1200"/>
+        </a:p>
+      </dsp:txBody>
+      <dsp:txXfrm>
+        <a:off x="4325" y="1035218"/>
+        <a:ext cx="1658181" cy="1975241"/>
+      </dsp:txXfrm>
+    </dsp:sp>
+    <dsp:sp modelId="{F8D2FCB4-B759-44E9-B26F-49FBC010CE16}">
+      <dsp:nvSpPr>
+        <dsp:cNvPr id="0" name=""/>
+        <dsp:cNvSpPr/>
+      </dsp:nvSpPr>
+      <dsp:spPr>
+        <a:xfrm>
+          <a:off x="1894652" y="415364"/>
+          <a:ext cx="1658181" cy="619854"/>
+        </a:xfrm>
+        <a:prstGeom prst="rect">
+          <a:avLst/>
+        </a:prstGeom>
+        <a:solidFill>
+          <a:schemeClr val="accent1">
+            <a:hueOff val="0"/>
+            <a:satOff val="0"/>
+            <a:lumOff val="0"/>
+            <a:alphaOff val="0"/>
+          </a:schemeClr>
+        </a:solidFill>
+        <a:ln w="12700" cap="flat" cmpd="sng" algn="ctr">
+          <a:solidFill>
+            <a:schemeClr val="accent1">
+              <a:hueOff val="0"/>
+              <a:satOff val="0"/>
+              <a:lumOff val="0"/>
+              <a:alphaOff val="0"/>
+            </a:schemeClr>
+          </a:solidFill>
+          <a:prstDash val="solid"/>
+          <a:miter lim="800000"/>
+        </a:ln>
+        <a:effectLst/>
+      </dsp:spPr>
+      <dsp:style>
+        <a:lnRef idx="2">
+          <a:scrgbClr r="0" g="0" b="0"/>
+        </a:lnRef>
+        <a:fillRef idx="1">
+          <a:scrgbClr r="0" g="0" b="0"/>
+        </a:fillRef>
+        <a:effectRef idx="0">
+          <a:scrgbClr r="0" g="0" b="0"/>
+        </a:effectRef>
+        <a:fontRef idx="minor">
+          <a:schemeClr val="lt1"/>
+        </a:fontRef>
+      </dsp:style>
+      <dsp:txBody>
+        <a:bodyPr spcFirstLastPara="0" vert="horz" wrap="square" lIns="120904" tIns="69088" rIns="120904" bIns="69088" numCol="1" spcCol="1270" anchor="ctr" anchorCtr="0">
+          <a:noAutofit/>
+        </a:bodyPr>
+        <a:lstStyle/>
+        <a:p>
+          <a:pPr marL="0" lvl="0" indent="0" algn="ctr" defTabSz="755650">
+            <a:lnSpc>
+              <a:spcPct val="90000"/>
+            </a:lnSpc>
+            <a:spcBef>
+              <a:spcPct val="0"/>
+            </a:spcBef>
+            <a:spcAft>
+              <a:spcPct val="35000"/>
+            </a:spcAft>
+            <a:buNone/>
+          </a:pPr>
+          <a:r>
+            <a:rPr lang="en-GB" sz="1700" kern="1200"/>
+            <a:t>Enemy movement</a:t>
+          </a:r>
+          <a:endParaRPr lang="en-US" sz="1700" kern="1200"/>
+        </a:p>
+      </dsp:txBody>
+      <dsp:txXfrm>
+        <a:off x="1894652" y="415364"/>
+        <a:ext cx="1658181" cy="619854"/>
+      </dsp:txXfrm>
+    </dsp:sp>
+    <dsp:sp modelId="{3694CF61-C77A-4C91-A429-B0C6DCCE15A7}">
+      <dsp:nvSpPr>
+        <dsp:cNvPr id="0" name=""/>
+        <dsp:cNvSpPr/>
+      </dsp:nvSpPr>
+      <dsp:spPr>
+        <a:xfrm>
+          <a:off x="1894652" y="1035218"/>
+          <a:ext cx="1658181" cy="1975241"/>
+        </a:xfrm>
+        <a:prstGeom prst="rect">
+          <a:avLst/>
+        </a:prstGeom>
+        <a:solidFill>
+          <a:schemeClr val="accent1">
+            <a:alpha val="90000"/>
+            <a:tint val="40000"/>
+            <a:hueOff val="0"/>
+            <a:satOff val="0"/>
+            <a:lumOff val="0"/>
+            <a:alphaOff val="0"/>
+          </a:schemeClr>
+        </a:solidFill>
+        <a:ln w="12700" cap="flat" cmpd="sng" algn="ctr">
+          <a:solidFill>
+            <a:schemeClr val="accent1">
+              <a:alpha val="90000"/>
+              <a:tint val="40000"/>
+              <a:hueOff val="0"/>
+              <a:satOff val="0"/>
+              <a:lumOff val="0"/>
+              <a:alphaOff val="0"/>
+            </a:schemeClr>
+          </a:solidFill>
+          <a:prstDash val="solid"/>
+          <a:miter lim="800000"/>
+        </a:ln>
+        <a:effectLst/>
+      </dsp:spPr>
+      <dsp:style>
+        <a:lnRef idx="2">
+          <a:scrgbClr r="0" g="0" b="0"/>
+        </a:lnRef>
+        <a:fillRef idx="1">
+          <a:scrgbClr r="0" g="0" b="0"/>
+        </a:fillRef>
+        <a:effectRef idx="0">
+          <a:scrgbClr r="0" g="0" b="0"/>
+        </a:effectRef>
+        <a:fontRef idx="minor"/>
+      </dsp:style>
+      <dsp:txBody>
+        <a:bodyPr spcFirstLastPara="0" vert="horz" wrap="square" lIns="90678" tIns="90678" rIns="120904" bIns="136017" numCol="1" spcCol="1270" anchor="t" anchorCtr="0">
+          <a:noAutofit/>
+        </a:bodyPr>
+        <a:lstStyle/>
+        <a:p>
+          <a:pPr marL="171450" lvl="1" indent="-171450" algn="l" defTabSz="755650">
+            <a:lnSpc>
+              <a:spcPct val="90000"/>
+            </a:lnSpc>
+            <a:spcBef>
+              <a:spcPct val="0"/>
+            </a:spcBef>
+            <a:spcAft>
+              <a:spcPct val="15000"/>
+            </a:spcAft>
+            <a:buChar char="•"/>
+          </a:pPr>
+          <a:r>
+            <a:rPr lang="en-GB" sz="1700" kern="1200"/>
+            <a:t>Random walk: gibs algoritme</a:t>
+          </a:r>
+          <a:endParaRPr lang="en-US" sz="1700" kern="1200"/>
+        </a:p>
+        <a:p>
+          <a:pPr marL="342900" lvl="2" indent="-171450" algn="l" defTabSz="755650">
+            <a:lnSpc>
+              <a:spcPct val="90000"/>
+            </a:lnSpc>
+            <a:spcBef>
+              <a:spcPct val="0"/>
+            </a:spcBef>
+            <a:spcAft>
+              <a:spcPct val="15000"/>
+            </a:spcAft>
+            <a:buChar char="•"/>
+          </a:pPr>
+          <a:r>
+            <a:rPr lang="en-GB" sz="1700" kern="1200"/>
+            <a:t>Bepaalt volgende movement </a:t>
+          </a:r>
+          <a:r>
+            <a:rPr lang="en-GB" sz="1700" kern="1200">
+              <a:sym typeface="Wingdings" panose="05000000000000000000" pitchFamily="2" charset="2"/>
+            </a:rPr>
+            <a:t></a:t>
+          </a:r>
+          <a:r>
+            <a:rPr lang="en-GB" sz="1700" kern="1200"/>
+            <a:t> vorige movement</a:t>
+          </a:r>
+          <a:endParaRPr lang="en-US" sz="1700" kern="1200"/>
+        </a:p>
+      </dsp:txBody>
+      <dsp:txXfrm>
+        <a:off x="1894652" y="1035218"/>
+        <a:ext cx="1658181" cy="1975241"/>
+      </dsp:txXfrm>
+    </dsp:sp>
+    <dsp:sp modelId="{9532D74A-7EF7-47C0-916A-08AAB55FD270}">
+      <dsp:nvSpPr>
+        <dsp:cNvPr id="0" name=""/>
+        <dsp:cNvSpPr/>
+      </dsp:nvSpPr>
+      <dsp:spPr>
+        <a:xfrm>
+          <a:off x="3784978" y="415364"/>
+          <a:ext cx="1658181" cy="619854"/>
+        </a:xfrm>
+        <a:prstGeom prst="rect">
+          <a:avLst/>
+        </a:prstGeom>
+        <a:solidFill>
+          <a:schemeClr val="accent1">
+            <a:hueOff val="0"/>
+            <a:satOff val="0"/>
+            <a:lumOff val="0"/>
+            <a:alphaOff val="0"/>
+          </a:schemeClr>
+        </a:solidFill>
+        <a:ln w="12700" cap="flat" cmpd="sng" algn="ctr">
+          <a:solidFill>
+            <a:schemeClr val="accent1">
+              <a:hueOff val="0"/>
+              <a:satOff val="0"/>
+              <a:lumOff val="0"/>
+              <a:alphaOff val="0"/>
+            </a:schemeClr>
+          </a:solidFill>
+          <a:prstDash val="solid"/>
+          <a:miter lim="800000"/>
+        </a:ln>
+        <a:effectLst/>
+      </dsp:spPr>
+      <dsp:style>
+        <a:lnRef idx="2">
+          <a:scrgbClr r="0" g="0" b="0"/>
+        </a:lnRef>
+        <a:fillRef idx="1">
+          <a:scrgbClr r="0" g="0" b="0"/>
+        </a:fillRef>
+        <a:effectRef idx="0">
+          <a:scrgbClr r="0" g="0" b="0"/>
+        </a:effectRef>
+        <a:fontRef idx="minor">
+          <a:schemeClr val="lt1"/>
+        </a:fontRef>
+      </dsp:style>
+      <dsp:txBody>
+        <a:bodyPr spcFirstLastPara="0" vert="horz" wrap="square" lIns="120904" tIns="69088" rIns="120904" bIns="69088" numCol="1" spcCol="1270" anchor="ctr" anchorCtr="0">
+          <a:noAutofit/>
+        </a:bodyPr>
+        <a:lstStyle/>
+        <a:p>
+          <a:pPr marL="0" lvl="0" indent="0" algn="ctr" defTabSz="755650">
+            <a:lnSpc>
+              <a:spcPct val="90000"/>
+            </a:lnSpc>
+            <a:spcBef>
+              <a:spcPct val="0"/>
+            </a:spcBef>
+            <a:spcAft>
+              <a:spcPct val="35000"/>
+            </a:spcAft>
+            <a:buNone/>
+          </a:pPr>
+          <a:r>
+            <a:rPr lang="en-GB" sz="1700" kern="1200"/>
+            <a:t>GUI</a:t>
+          </a:r>
+          <a:endParaRPr lang="en-US" sz="1700" kern="1200"/>
+        </a:p>
+      </dsp:txBody>
+      <dsp:txXfrm>
+        <a:off x="3784978" y="415364"/>
+        <a:ext cx="1658181" cy="619854"/>
+      </dsp:txXfrm>
+    </dsp:sp>
+    <dsp:sp modelId="{06A29156-8AD8-4F7A-8D08-AA58C110E4E4}">
+      <dsp:nvSpPr>
+        <dsp:cNvPr id="0" name=""/>
+        <dsp:cNvSpPr/>
+      </dsp:nvSpPr>
+      <dsp:spPr>
+        <a:xfrm>
+          <a:off x="3784978" y="1035218"/>
+          <a:ext cx="1658181" cy="1975241"/>
+        </a:xfrm>
+        <a:prstGeom prst="rect">
+          <a:avLst/>
+        </a:prstGeom>
+        <a:solidFill>
+          <a:schemeClr val="accent1">
+            <a:alpha val="90000"/>
+            <a:tint val="40000"/>
+            <a:hueOff val="0"/>
+            <a:satOff val="0"/>
+            <a:lumOff val="0"/>
+            <a:alphaOff val="0"/>
+          </a:schemeClr>
+        </a:solidFill>
+        <a:ln w="12700" cap="flat" cmpd="sng" algn="ctr">
+          <a:solidFill>
+            <a:schemeClr val="accent1">
+              <a:alpha val="90000"/>
+              <a:tint val="40000"/>
+              <a:hueOff val="0"/>
+              <a:satOff val="0"/>
+              <a:lumOff val="0"/>
+              <a:alphaOff val="0"/>
+            </a:schemeClr>
+          </a:solidFill>
+          <a:prstDash val="solid"/>
+          <a:miter lim="800000"/>
+        </a:ln>
+        <a:effectLst/>
+      </dsp:spPr>
+      <dsp:style>
+        <a:lnRef idx="2">
+          <a:scrgbClr r="0" g="0" b="0"/>
+        </a:lnRef>
+        <a:fillRef idx="1">
+          <a:scrgbClr r="0" g="0" b="0"/>
+        </a:fillRef>
+        <a:effectRef idx="0">
+          <a:scrgbClr r="0" g="0" b="0"/>
+        </a:effectRef>
+        <a:fontRef idx="minor"/>
+      </dsp:style>
+      <dsp:txBody>
+        <a:bodyPr spcFirstLastPara="0" vert="horz" wrap="square" lIns="90678" tIns="90678" rIns="120904" bIns="136017" numCol="1" spcCol="1270" anchor="t" anchorCtr="0">
+          <a:noAutofit/>
+        </a:bodyPr>
+        <a:lstStyle/>
+        <a:p>
+          <a:pPr marL="171450" lvl="1" indent="-171450" algn="l" defTabSz="755650">
+            <a:lnSpc>
+              <a:spcPct val="90000"/>
+            </a:lnSpc>
+            <a:spcBef>
+              <a:spcPct val="0"/>
+            </a:spcBef>
+            <a:spcAft>
+              <a:spcPct val="15000"/>
+            </a:spcAft>
+            <a:buChar char="•"/>
+          </a:pPr>
+          <a:r>
+            <a:rPr lang="en-GB" sz="1700" kern="1200"/>
+            <a:t>QT</a:t>
+          </a:r>
+          <a:endParaRPr lang="en-US" sz="1700" kern="1200"/>
+        </a:p>
+      </dsp:txBody>
+      <dsp:txXfrm>
+        <a:off x="3784978" y="1035218"/>
+        <a:ext cx="1658181" cy="1975241"/>
+      </dsp:txXfrm>
+    </dsp:sp>
+    <dsp:sp modelId="{341BB02D-F94A-492E-B9F4-F398C43D024C}">
+      <dsp:nvSpPr>
+        <dsp:cNvPr id="0" name=""/>
+        <dsp:cNvSpPr/>
+      </dsp:nvSpPr>
+      <dsp:spPr>
+        <a:xfrm>
+          <a:off x="5675304" y="415364"/>
+          <a:ext cx="1658181" cy="619854"/>
+        </a:xfrm>
+        <a:prstGeom prst="rect">
+          <a:avLst/>
+        </a:prstGeom>
+        <a:solidFill>
+          <a:schemeClr val="accent1">
+            <a:hueOff val="0"/>
+            <a:satOff val="0"/>
+            <a:lumOff val="0"/>
+            <a:alphaOff val="0"/>
+          </a:schemeClr>
+        </a:solidFill>
+        <a:ln w="12700" cap="flat" cmpd="sng" algn="ctr">
+          <a:solidFill>
+            <a:schemeClr val="accent1">
+              <a:hueOff val="0"/>
+              <a:satOff val="0"/>
+              <a:lumOff val="0"/>
+              <a:alphaOff val="0"/>
+            </a:schemeClr>
+          </a:solidFill>
+          <a:prstDash val="solid"/>
+          <a:miter lim="800000"/>
+        </a:ln>
+        <a:effectLst/>
+      </dsp:spPr>
+      <dsp:style>
+        <a:lnRef idx="2">
+          <a:scrgbClr r="0" g="0" b="0"/>
+        </a:lnRef>
+        <a:fillRef idx="1">
+          <a:scrgbClr r="0" g="0" b="0"/>
+        </a:fillRef>
+        <a:effectRef idx="0">
+          <a:scrgbClr r="0" g="0" b="0"/>
+        </a:effectRef>
+        <a:fontRef idx="minor">
+          <a:schemeClr val="lt1"/>
+        </a:fontRef>
+      </dsp:style>
+      <dsp:txBody>
+        <a:bodyPr spcFirstLastPara="0" vert="horz" wrap="square" lIns="120904" tIns="69088" rIns="120904" bIns="69088" numCol="1" spcCol="1270" anchor="ctr" anchorCtr="0">
+          <a:noAutofit/>
+        </a:bodyPr>
+        <a:lstStyle/>
+        <a:p>
+          <a:pPr marL="0" lvl="0" indent="0" algn="ctr" defTabSz="755650">
+            <a:lnSpc>
+              <a:spcPct val="90000"/>
+            </a:lnSpc>
+            <a:spcBef>
+              <a:spcPct val="0"/>
+            </a:spcBef>
+            <a:spcAft>
+              <a:spcPct val="35000"/>
+            </a:spcAft>
+            <a:buNone/>
+          </a:pPr>
+          <a:r>
+            <a:rPr lang="en-GB" sz="1700" kern="1200"/>
+            <a:t>Levels inlezen</a:t>
+          </a:r>
+          <a:endParaRPr lang="en-US" sz="1700" kern="1200"/>
+        </a:p>
+      </dsp:txBody>
+      <dsp:txXfrm>
+        <a:off x="5675304" y="415364"/>
+        <a:ext cx="1658181" cy="619854"/>
+      </dsp:txXfrm>
+    </dsp:sp>
+    <dsp:sp modelId="{B9920317-3CBA-4996-9FE4-3FC2445F6540}">
+      <dsp:nvSpPr>
+        <dsp:cNvPr id="0" name=""/>
+        <dsp:cNvSpPr/>
+      </dsp:nvSpPr>
+      <dsp:spPr>
+        <a:xfrm>
+          <a:off x="5675304" y="1035218"/>
+          <a:ext cx="1658181" cy="1975241"/>
+        </a:xfrm>
+        <a:prstGeom prst="rect">
+          <a:avLst/>
+        </a:prstGeom>
+        <a:solidFill>
+          <a:schemeClr val="accent1">
+            <a:alpha val="90000"/>
+            <a:tint val="40000"/>
+            <a:hueOff val="0"/>
+            <a:satOff val="0"/>
+            <a:lumOff val="0"/>
+            <a:alphaOff val="0"/>
+          </a:schemeClr>
+        </a:solidFill>
+        <a:ln w="12700" cap="flat" cmpd="sng" algn="ctr">
+          <a:solidFill>
+            <a:schemeClr val="accent1">
+              <a:alpha val="90000"/>
+              <a:tint val="40000"/>
+              <a:hueOff val="0"/>
+              <a:satOff val="0"/>
+              <a:lumOff val="0"/>
+              <a:alphaOff val="0"/>
+            </a:schemeClr>
+          </a:solidFill>
+          <a:prstDash val="solid"/>
+          <a:miter lim="800000"/>
+        </a:ln>
+        <a:effectLst/>
+      </dsp:spPr>
+      <dsp:style>
+        <a:lnRef idx="2">
+          <a:scrgbClr r="0" g="0" b="0"/>
+        </a:lnRef>
+        <a:fillRef idx="1">
+          <a:scrgbClr r="0" g="0" b="0"/>
+        </a:fillRef>
+        <a:effectRef idx="0">
+          <a:scrgbClr r="0" g="0" b="0"/>
+        </a:effectRef>
+        <a:fontRef idx="minor"/>
+      </dsp:style>
+      <dsp:txBody>
+        <a:bodyPr spcFirstLastPara="0" vert="horz" wrap="square" lIns="90678" tIns="90678" rIns="120904" bIns="136017" numCol="1" spcCol="1270" anchor="t" anchorCtr="0">
+          <a:noAutofit/>
+        </a:bodyPr>
+        <a:lstStyle/>
+        <a:p>
+          <a:pPr marL="171450" lvl="1" indent="-171450" algn="l" defTabSz="755650">
+            <a:lnSpc>
+              <a:spcPct val="90000"/>
+            </a:lnSpc>
+            <a:spcBef>
+              <a:spcPct val="0"/>
+            </a:spcBef>
+            <a:spcAft>
+              <a:spcPct val="15000"/>
+            </a:spcAft>
+            <a:buChar char="•"/>
+          </a:pPr>
+          <a:r>
+            <a:rPr lang="en-GB" sz="1700" kern="1200"/>
+            <a:t>Txt-file </a:t>
+          </a:r>
+          <a:r>
+            <a:rPr lang="en-GB" sz="1700" kern="1200">
+              <a:sym typeface="Wingdings" panose="05000000000000000000" pitchFamily="2" charset="2"/>
+            </a:rPr>
+            <a:t></a:t>
+          </a:r>
+          <a:r>
+            <a:rPr lang="en-GB" sz="1700" kern="1200"/>
+            <a:t> . = path, # = wall, …</a:t>
+          </a:r>
+          <a:endParaRPr lang="en-US" sz="1700" kern="1200"/>
+        </a:p>
+      </dsp:txBody>
+      <dsp:txXfrm>
+        <a:off x="5675304" y="1035218"/>
+        <a:ext cx="1658181" cy="1975241"/>
+      </dsp:txXfrm>
+    </dsp:sp>
+    <dsp:sp modelId="{61590EC1-977B-477F-9C7D-346A06E742E3}">
+      <dsp:nvSpPr>
+        <dsp:cNvPr id="0" name=""/>
+        <dsp:cNvSpPr/>
+      </dsp:nvSpPr>
+      <dsp:spPr>
+        <a:xfrm>
+          <a:off x="7565631" y="415364"/>
+          <a:ext cx="1658181" cy="619854"/>
+        </a:xfrm>
+        <a:prstGeom prst="rect">
+          <a:avLst/>
+        </a:prstGeom>
+        <a:solidFill>
+          <a:schemeClr val="accent1">
+            <a:hueOff val="0"/>
+            <a:satOff val="0"/>
+            <a:lumOff val="0"/>
+            <a:alphaOff val="0"/>
+          </a:schemeClr>
+        </a:solidFill>
+        <a:ln w="12700" cap="flat" cmpd="sng" algn="ctr">
+          <a:solidFill>
+            <a:schemeClr val="accent1">
+              <a:hueOff val="0"/>
+              <a:satOff val="0"/>
+              <a:lumOff val="0"/>
+              <a:alphaOff val="0"/>
+            </a:schemeClr>
+          </a:solidFill>
+          <a:prstDash val="solid"/>
+          <a:miter lim="800000"/>
+        </a:ln>
+        <a:effectLst/>
+      </dsp:spPr>
+      <dsp:style>
+        <a:lnRef idx="2">
+          <a:scrgbClr r="0" g="0" b="0"/>
+        </a:lnRef>
+        <a:fillRef idx="1">
+          <a:scrgbClr r="0" g="0" b="0"/>
+        </a:fillRef>
+        <a:effectRef idx="0">
+          <a:scrgbClr r="0" g="0" b="0"/>
+        </a:effectRef>
+        <a:fontRef idx="minor">
+          <a:schemeClr val="lt1"/>
+        </a:fontRef>
+      </dsp:style>
+      <dsp:txBody>
+        <a:bodyPr spcFirstLastPara="0" vert="horz" wrap="square" lIns="120904" tIns="69088" rIns="120904" bIns="69088" numCol="1" spcCol="1270" anchor="ctr" anchorCtr="0">
+          <a:noAutofit/>
+        </a:bodyPr>
+        <a:lstStyle/>
+        <a:p>
+          <a:pPr marL="0" lvl="0" indent="0" algn="ctr" defTabSz="755650">
+            <a:lnSpc>
+              <a:spcPct val="90000"/>
+            </a:lnSpc>
+            <a:spcBef>
+              <a:spcPct val="0"/>
+            </a:spcBef>
+            <a:spcAft>
+              <a:spcPct val="35000"/>
+            </a:spcAft>
+            <a:buNone/>
+          </a:pPr>
+          <a:r>
+            <a:rPr lang="en-GB" sz="1700" kern="1200"/>
+            <a:t>Fog of war</a:t>
+          </a:r>
+          <a:endParaRPr lang="en-US" sz="1700" kern="1200"/>
+        </a:p>
+      </dsp:txBody>
+      <dsp:txXfrm>
+        <a:off x="7565631" y="415364"/>
+        <a:ext cx="1658181" cy="619854"/>
+      </dsp:txXfrm>
+    </dsp:sp>
+    <dsp:sp modelId="{AD0E2291-0063-489E-8B5B-62A5D02421DE}">
+      <dsp:nvSpPr>
+        <dsp:cNvPr id="0" name=""/>
+        <dsp:cNvSpPr/>
+      </dsp:nvSpPr>
+      <dsp:spPr>
+        <a:xfrm>
+          <a:off x="7565631" y="1035218"/>
+          <a:ext cx="1658181" cy="1975241"/>
+        </a:xfrm>
+        <a:prstGeom prst="rect">
+          <a:avLst/>
+        </a:prstGeom>
+        <a:solidFill>
+          <a:schemeClr val="accent1">
+            <a:alpha val="90000"/>
+            <a:tint val="40000"/>
+            <a:hueOff val="0"/>
+            <a:satOff val="0"/>
+            <a:lumOff val="0"/>
+            <a:alphaOff val="0"/>
+          </a:schemeClr>
+        </a:solidFill>
+        <a:ln w="12700" cap="flat" cmpd="sng" algn="ctr">
+          <a:solidFill>
+            <a:schemeClr val="accent1">
+              <a:alpha val="90000"/>
+              <a:tint val="40000"/>
+              <a:hueOff val="0"/>
+              <a:satOff val="0"/>
+              <a:lumOff val="0"/>
+              <a:alphaOff val="0"/>
+            </a:schemeClr>
+          </a:solidFill>
+          <a:prstDash val="solid"/>
+          <a:miter lim="800000"/>
+        </a:ln>
+        <a:effectLst/>
+      </dsp:spPr>
+      <dsp:style>
+        <a:lnRef idx="2">
+          <a:scrgbClr r="0" g="0" b="0"/>
+        </a:lnRef>
+        <a:fillRef idx="1">
+          <a:scrgbClr r="0" g="0" b="0"/>
+        </a:fillRef>
+        <a:effectRef idx="0">
+          <a:scrgbClr r="0" g="0" b="0"/>
+        </a:effectRef>
+        <a:fontRef idx="minor"/>
+      </dsp:style>
+      <dsp:txBody>
+        <a:bodyPr spcFirstLastPara="0" vert="horz" wrap="square" lIns="90678" tIns="90678" rIns="120904" bIns="136017" numCol="1" spcCol="1270" anchor="t" anchorCtr="0">
+          <a:noAutofit/>
+        </a:bodyPr>
+        <a:lstStyle/>
+        <a:p>
+          <a:pPr marL="171450" lvl="1" indent="-171450" algn="l" defTabSz="755650">
+            <a:lnSpc>
+              <a:spcPct val="90000"/>
+            </a:lnSpc>
+            <a:spcBef>
+              <a:spcPct val="0"/>
+            </a:spcBef>
+            <a:spcAft>
+              <a:spcPct val="15000"/>
+            </a:spcAft>
+            <a:buChar char="•"/>
+          </a:pPr>
+          <a:r>
+            <a:rPr lang="en-GB" sz="1700" kern="1200"/>
+            <a:t>1 tile vision</a:t>
+          </a:r>
+          <a:endParaRPr lang="en-US" sz="1700" kern="1200"/>
+        </a:p>
+      </dsp:txBody>
+      <dsp:txXfrm>
+        <a:off x="7565631" y="1035218"/>
+        <a:ext cx="1658181" cy="1975241"/>
       </dsp:txXfrm>
     </dsp:sp>
   </dsp:spTree>
@@ -5218,6 +7618,223 @@
 </dgm:layoutDef>
 </file>
 
+<file path=ppt/diagrams/layout3.xml><?xml version="1.0" encoding="utf-8"?>
+<dgm:layoutDef xmlns:dgm="http://schemas.openxmlformats.org/drawingml/2006/diagram" xmlns:a="http://schemas.openxmlformats.org/drawingml/2006/main" uniqueId="urn:microsoft.com/office/officeart/2005/8/layout/hList1">
+  <dgm:title val=""/>
+  <dgm:desc val=""/>
+  <dgm:catLst>
+    <dgm:cat type="list" pri="5000"/>
+    <dgm:cat type="convert" pri="5000"/>
+  </dgm:catLst>
+  <dgm:sampData>
+    <dgm:dataModel>
+      <dgm:ptLst>
+        <dgm:pt modelId="0" type="doc"/>
+        <dgm:pt modelId="1">
+          <dgm:prSet phldr="1"/>
+        </dgm:pt>
+        <dgm:pt modelId="11">
+          <dgm:prSet phldr="1"/>
+        </dgm:pt>
+        <dgm:pt modelId="12">
+          <dgm:prSet phldr="1"/>
+        </dgm:pt>
+        <dgm:pt modelId="2">
+          <dgm:prSet phldr="1"/>
+        </dgm:pt>
+        <dgm:pt modelId="21">
+          <dgm:prSet phldr="1"/>
+        </dgm:pt>
+        <dgm:pt modelId="22">
+          <dgm:prSet phldr="1"/>
+        </dgm:pt>
+        <dgm:pt modelId="3">
+          <dgm:prSet phldr="1"/>
+        </dgm:pt>
+        <dgm:pt modelId="31">
+          <dgm:prSet phldr="1"/>
+        </dgm:pt>
+        <dgm:pt modelId="32">
+          <dgm:prSet phldr="1"/>
+        </dgm:pt>
+      </dgm:ptLst>
+      <dgm:cxnLst>
+        <dgm:cxn modelId="4" srcId="0" destId="1" srcOrd="0" destOrd="0"/>
+        <dgm:cxn modelId="5" srcId="0" destId="2" srcOrd="1" destOrd="0"/>
+        <dgm:cxn modelId="6" srcId="0" destId="3" srcOrd="2" destOrd="0"/>
+        <dgm:cxn modelId="13" srcId="1" destId="11" srcOrd="0" destOrd="0"/>
+        <dgm:cxn modelId="14" srcId="1" destId="12" srcOrd="1" destOrd="0"/>
+        <dgm:cxn modelId="23" srcId="2" destId="21" srcOrd="0" destOrd="0"/>
+        <dgm:cxn modelId="24" srcId="2" destId="22" srcOrd="1" destOrd="0"/>
+        <dgm:cxn modelId="33" srcId="3" destId="31" srcOrd="0" destOrd="0"/>
+        <dgm:cxn modelId="34" srcId="3" destId="32" srcOrd="1" destOrd="0"/>
+      </dgm:cxnLst>
+      <dgm:bg/>
+      <dgm:whole/>
+    </dgm:dataModel>
+  </dgm:sampData>
+  <dgm:styleData>
+    <dgm:dataModel>
+      <dgm:ptLst>
+        <dgm:pt modelId="0" type="doc"/>
+        <dgm:pt modelId="1">
+          <dgm:prSet phldr="1"/>
+        </dgm:pt>
+        <dgm:pt modelId="2">
+          <dgm:prSet phldr="1"/>
+        </dgm:pt>
+      </dgm:ptLst>
+      <dgm:cxnLst>
+        <dgm:cxn modelId="3" srcId="0" destId="1" srcOrd="0" destOrd="0"/>
+        <dgm:cxn modelId="4" srcId="0" destId="2" srcOrd="1" destOrd="0"/>
+      </dgm:cxnLst>
+      <dgm:bg/>
+      <dgm:whole/>
+    </dgm:dataModel>
+  </dgm:styleData>
+  <dgm:clrData>
+    <dgm:dataModel>
+      <dgm:ptLst>
+        <dgm:pt modelId="0" type="doc"/>
+        <dgm:pt modelId="1">
+          <dgm:prSet phldr="1"/>
+        </dgm:pt>
+        <dgm:pt modelId="2">
+          <dgm:prSet phldr="1"/>
+        </dgm:pt>
+        <dgm:pt modelId="3">
+          <dgm:prSet phldr="1"/>
+        </dgm:pt>
+        <dgm:pt modelId="4">
+          <dgm:prSet phldr="1"/>
+        </dgm:pt>
+      </dgm:ptLst>
+      <dgm:cxnLst>
+        <dgm:cxn modelId="5" srcId="0" destId="1" srcOrd="0" destOrd="0"/>
+        <dgm:cxn modelId="6" srcId="0" destId="2" srcOrd="1" destOrd="0"/>
+        <dgm:cxn modelId="7" srcId="0" destId="3" srcOrd="2" destOrd="0"/>
+        <dgm:cxn modelId="8" srcId="0" destId="4" srcOrd="3" destOrd="0"/>
+      </dgm:cxnLst>
+      <dgm:bg/>
+      <dgm:whole/>
+    </dgm:dataModel>
+  </dgm:clrData>
+  <dgm:layoutNode name="Name0">
+    <dgm:varLst>
+      <dgm:dir/>
+      <dgm:animLvl val="lvl"/>
+      <dgm:resizeHandles val="exact"/>
+    </dgm:varLst>
+    <dgm:choose name="Name1">
+      <dgm:if name="Name2" func="var" arg="dir" op="equ" val="norm">
+        <dgm:alg type="lin"/>
+      </dgm:if>
+      <dgm:else name="Name3">
+        <dgm:alg type="lin">
+          <dgm:param type="linDir" val="fromR"/>
+        </dgm:alg>
+      </dgm:else>
+    </dgm:choose>
+    <dgm:shape xmlns:r="http://schemas.openxmlformats.org/officeDocument/2006/relationships" r:blip="">
+      <dgm:adjLst/>
+    </dgm:shape>
+    <dgm:presOf/>
+    <dgm:constrLst>
+      <dgm:constr type="h" for="ch" forName="composite" refType="h"/>
+      <dgm:constr type="w" for="ch" forName="composite" refType="w"/>
+      <dgm:constr type="w" for="des" forName="parTx"/>
+      <dgm:constr type="h" for="des" forName="parTx" op="equ"/>
+      <dgm:constr type="w" for="des" forName="desTx"/>
+      <dgm:constr type="h" for="des" forName="desTx" op="equ"/>
+      <dgm:constr type="primFontSz" for="des" forName="parTx" val="65"/>
+      <dgm:constr type="secFontSz" for="des" forName="desTx" refType="primFontSz" refFor="des" refForName="parTx" op="equ"/>
+      <dgm:constr type="h" for="des" forName="parTx" refType="primFontSz" refFor="des" refForName="parTx" fact="0.8"/>
+      <dgm:constr type="h" for="des" forName="desTx" refType="primFontSz" refFor="des" refForName="parTx" fact="1.22"/>
+      <dgm:constr type="w" for="ch" forName="space" refType="w" refFor="ch" refForName="composite" op="equ" fact="0.14"/>
+    </dgm:constrLst>
+    <dgm:ruleLst>
+      <dgm:rule type="w" for="ch" forName="composite" val="0" fact="NaN" max="NaN"/>
+      <dgm:rule type="primFontSz" for="des" forName="parTx" val="5" fact="NaN" max="NaN"/>
+    </dgm:ruleLst>
+    <dgm:forEach name="Name4" axis="ch" ptType="node">
+      <dgm:layoutNode name="composite">
+        <dgm:alg type="composite"/>
+        <dgm:shape xmlns:r="http://schemas.openxmlformats.org/officeDocument/2006/relationships" r:blip="">
+          <dgm:adjLst/>
+        </dgm:shape>
+        <dgm:presOf/>
+        <dgm:constrLst>
+          <dgm:constr type="l" for="ch" forName="parTx"/>
+          <dgm:constr type="w" for="ch" forName="parTx" refType="w"/>
+          <dgm:constr type="t" for="ch" forName="parTx"/>
+          <dgm:constr type="l" for="ch" forName="desTx"/>
+          <dgm:constr type="w" for="ch" forName="desTx" refType="w" refFor="ch" refForName="parTx"/>
+          <dgm:constr type="t" for="ch" forName="desTx" refType="h" refFor="ch" refForName="parTx"/>
+        </dgm:constrLst>
+        <dgm:ruleLst>
+          <dgm:rule type="h" val="INF" fact="NaN" max="NaN"/>
+        </dgm:ruleLst>
+        <dgm:layoutNode name="parTx" styleLbl="alignNode1">
+          <dgm:varLst>
+            <dgm:chMax val="0"/>
+            <dgm:chPref val="0"/>
+            <dgm:bulletEnabled val="1"/>
+          </dgm:varLst>
+          <dgm:alg type="tx"/>
+          <dgm:shape xmlns:r="http://schemas.openxmlformats.org/officeDocument/2006/relationships" type="rect" r:blip="">
+            <dgm:adjLst/>
+          </dgm:shape>
+          <dgm:presOf axis="self" ptType="node"/>
+          <dgm:constrLst>
+            <dgm:constr type="h" refType="w" op="lte" fact="0.4"/>
+            <dgm:constr type="h"/>
+            <dgm:constr type="tMarg" refType="primFontSz" fact="0.32"/>
+            <dgm:constr type="bMarg" refType="primFontSz" fact="0.32"/>
+          </dgm:constrLst>
+          <dgm:ruleLst>
+            <dgm:rule type="h" val="INF" fact="NaN" max="NaN"/>
+          </dgm:ruleLst>
+        </dgm:layoutNode>
+        <dgm:layoutNode name="desTx" styleLbl="alignAccFollowNode1">
+          <dgm:varLst>
+            <dgm:bulletEnabled val="1"/>
+          </dgm:varLst>
+          <dgm:alg type="tx">
+            <dgm:param type="stBulletLvl" val="1"/>
+          </dgm:alg>
+          <dgm:shape xmlns:r="http://schemas.openxmlformats.org/officeDocument/2006/relationships" type="rect" r:blip="">
+            <dgm:adjLst/>
+          </dgm:shape>
+          <dgm:presOf axis="des" ptType="node"/>
+          <dgm:constrLst>
+            <dgm:constr type="secFontSz" val="65"/>
+            <dgm:constr type="primFontSz" refType="secFontSz"/>
+            <dgm:constr type="h"/>
+            <dgm:constr type="lMarg" refType="primFontSz" fact="0.42"/>
+            <dgm:constr type="tMarg" refType="primFontSz" fact="0.42"/>
+            <dgm:constr type="bMarg" refType="primFontSz" fact="0.63"/>
+          </dgm:constrLst>
+          <dgm:ruleLst>
+            <dgm:rule type="h" val="INF" fact="NaN" max="NaN"/>
+          </dgm:ruleLst>
+        </dgm:layoutNode>
+      </dgm:layoutNode>
+      <dgm:forEach name="Name5" axis="followSib" ptType="sibTrans" cnt="1">
+        <dgm:layoutNode name="space">
+          <dgm:alg type="sp"/>
+          <dgm:shape xmlns:r="http://schemas.openxmlformats.org/officeDocument/2006/relationships" r:blip="">
+            <dgm:adjLst/>
+          </dgm:shape>
+          <dgm:presOf/>
+          <dgm:constrLst/>
+          <dgm:ruleLst/>
+        </dgm:layoutNode>
+      </dgm:forEach>
+    </dgm:forEach>
+  </dgm:layoutNode>
+</dgm:layoutDef>
+</file>
+
 <file path=ppt/diagrams/quickStyle1.xml><?xml version="1.0" encoding="utf-8"?>
 <dgm:styleDef xmlns:dgm="http://schemas.openxmlformats.org/drawingml/2006/diagram" xmlns:a="http://schemas.openxmlformats.org/drawingml/2006/main" uniqueId="urn:microsoft.com/office/officeart/2005/8/quickstyle/simple1">
   <dgm:title val=""/>
@@ -6253,6 +8870,1040 @@
 </file>
 
 <file path=ppt/diagrams/quickStyle2.xml><?xml version="1.0" encoding="utf-8"?>
+<dgm:styleDef xmlns:dgm="http://schemas.openxmlformats.org/drawingml/2006/diagram" xmlns:a="http://schemas.openxmlformats.org/drawingml/2006/main" uniqueId="urn:microsoft.com/office/officeart/2005/8/quickstyle/simple1">
+  <dgm:title val=""/>
+  <dgm:desc val=""/>
+  <dgm:catLst>
+    <dgm:cat type="simple" pri="10100"/>
+  </dgm:catLst>
+  <dgm:scene3d>
+    <a:camera prst="orthographicFront"/>
+    <a:lightRig rig="threePt" dir="t"/>
+  </dgm:scene3d>
+  <dgm:styleLbl name="node0">
+    <dgm:scene3d>
+      <a:camera prst="orthographicFront"/>
+      <a:lightRig rig="threePt" dir="t"/>
+    </dgm:scene3d>
+    <dgm:sp3d/>
+    <dgm:txPr/>
+    <dgm:style>
+      <a:lnRef idx="2">
+        <a:scrgbClr r="0" g="0" b="0"/>
+      </a:lnRef>
+      <a:fillRef idx="1">
+        <a:scrgbClr r="0" g="0" b="0"/>
+      </a:fillRef>
+      <a:effectRef idx="0">
+        <a:scrgbClr r="0" g="0" b="0"/>
+      </a:effectRef>
+      <a:fontRef idx="minor">
+        <a:schemeClr val="lt1"/>
+      </a:fontRef>
+    </dgm:style>
+  </dgm:styleLbl>
+  <dgm:styleLbl name="lnNode1">
+    <dgm:scene3d>
+      <a:camera prst="orthographicFront"/>
+      <a:lightRig rig="threePt" dir="t"/>
+    </dgm:scene3d>
+    <dgm:sp3d/>
+    <dgm:txPr/>
+    <dgm:style>
+      <a:lnRef idx="2">
+        <a:scrgbClr r="0" g="0" b="0"/>
+      </a:lnRef>
+      <a:fillRef idx="1">
+        <a:scrgbClr r="0" g="0" b="0"/>
+      </a:fillRef>
+      <a:effectRef idx="0">
+        <a:scrgbClr r="0" g="0" b="0"/>
+      </a:effectRef>
+      <a:fontRef idx="minor">
+        <a:schemeClr val="lt1"/>
+      </a:fontRef>
+    </dgm:style>
+  </dgm:styleLbl>
+  <dgm:styleLbl name="vennNode1">
+    <dgm:scene3d>
+      <a:camera prst="orthographicFront"/>
+      <a:lightRig rig="threePt" dir="t"/>
+    </dgm:scene3d>
+    <dgm:sp3d/>
+    <dgm:txPr/>
+    <dgm:style>
+      <a:lnRef idx="2">
+        <a:scrgbClr r="0" g="0" b="0"/>
+      </a:lnRef>
+      <a:fillRef idx="1">
+        <a:scrgbClr r="0" g="0" b="0"/>
+      </a:fillRef>
+      <a:effectRef idx="0">
+        <a:scrgbClr r="0" g="0" b="0"/>
+      </a:effectRef>
+      <a:fontRef idx="minor">
+        <a:schemeClr val="tx1"/>
+      </a:fontRef>
+    </dgm:style>
+  </dgm:styleLbl>
+  <dgm:styleLbl name="alignNode1">
+    <dgm:scene3d>
+      <a:camera prst="orthographicFront"/>
+      <a:lightRig rig="threePt" dir="t"/>
+    </dgm:scene3d>
+    <dgm:sp3d/>
+    <dgm:txPr/>
+    <dgm:style>
+      <a:lnRef idx="2">
+        <a:scrgbClr r="0" g="0" b="0"/>
+      </a:lnRef>
+      <a:fillRef idx="1">
+        <a:scrgbClr r="0" g="0" b="0"/>
+      </a:fillRef>
+      <a:effectRef idx="0">
+        <a:scrgbClr r="0" g="0" b="0"/>
+      </a:effectRef>
+      <a:fontRef idx="minor">
+        <a:schemeClr val="lt1"/>
+      </a:fontRef>
+    </dgm:style>
+  </dgm:styleLbl>
+  <dgm:styleLbl name="node1">
+    <dgm:scene3d>
+      <a:camera prst="orthographicFront"/>
+      <a:lightRig rig="threePt" dir="t"/>
+    </dgm:scene3d>
+    <dgm:sp3d/>
+    <dgm:txPr/>
+    <dgm:style>
+      <a:lnRef idx="2">
+        <a:scrgbClr r="0" g="0" b="0"/>
+      </a:lnRef>
+      <a:fillRef idx="1">
+        <a:scrgbClr r="0" g="0" b="0"/>
+      </a:fillRef>
+      <a:effectRef idx="0">
+        <a:scrgbClr r="0" g="0" b="0"/>
+      </a:effectRef>
+      <a:fontRef idx="minor">
+        <a:schemeClr val="lt1"/>
+      </a:fontRef>
+    </dgm:style>
+  </dgm:styleLbl>
+  <dgm:styleLbl name="node2">
+    <dgm:scene3d>
+      <a:camera prst="orthographicFront"/>
+      <a:lightRig rig="threePt" dir="t"/>
+    </dgm:scene3d>
+    <dgm:sp3d/>
+    <dgm:txPr/>
+    <dgm:style>
+      <a:lnRef idx="2">
+        <a:scrgbClr r="0" g="0" b="0"/>
+      </a:lnRef>
+      <a:fillRef idx="1">
+        <a:scrgbClr r="0" g="0" b="0"/>
+      </a:fillRef>
+      <a:effectRef idx="0">
+        <a:scrgbClr r="0" g="0" b="0"/>
+      </a:effectRef>
+      <a:fontRef idx="minor">
+        <a:schemeClr val="lt1"/>
+      </a:fontRef>
+    </dgm:style>
+  </dgm:styleLbl>
+  <dgm:styleLbl name="node3">
+    <dgm:scene3d>
+      <a:camera prst="orthographicFront"/>
+      <a:lightRig rig="threePt" dir="t"/>
+    </dgm:scene3d>
+    <dgm:sp3d/>
+    <dgm:txPr/>
+    <dgm:style>
+      <a:lnRef idx="2">
+        <a:scrgbClr r="0" g="0" b="0"/>
+      </a:lnRef>
+      <a:fillRef idx="1">
+        <a:scrgbClr r="0" g="0" b="0"/>
+      </a:fillRef>
+      <a:effectRef idx="0">
+        <a:scrgbClr r="0" g="0" b="0"/>
+      </a:effectRef>
+      <a:fontRef idx="minor">
+        <a:schemeClr val="lt1"/>
+      </a:fontRef>
+    </dgm:style>
+  </dgm:styleLbl>
+  <dgm:styleLbl name="node4">
+    <dgm:scene3d>
+      <a:camera prst="orthographicFront"/>
+      <a:lightRig rig="threePt" dir="t"/>
+    </dgm:scene3d>
+    <dgm:sp3d/>
+    <dgm:txPr/>
+    <dgm:style>
+      <a:lnRef idx="2">
+        <a:scrgbClr r="0" g="0" b="0"/>
+      </a:lnRef>
+      <a:fillRef idx="1">
+        <a:scrgbClr r="0" g="0" b="0"/>
+      </a:fillRef>
+      <a:effectRef idx="0">
+        <a:scrgbClr r="0" g="0" b="0"/>
+      </a:effectRef>
+      <a:fontRef idx="minor">
+        <a:schemeClr val="lt1"/>
+      </a:fontRef>
+    </dgm:style>
+  </dgm:styleLbl>
+  <dgm:styleLbl name="fgImgPlace1">
+    <dgm:scene3d>
+      <a:camera prst="orthographicFront"/>
+      <a:lightRig rig="threePt" dir="t"/>
+    </dgm:scene3d>
+    <dgm:sp3d/>
+    <dgm:txPr/>
+    <dgm:style>
+      <a:lnRef idx="2">
+        <a:scrgbClr r="0" g="0" b="0"/>
+      </a:lnRef>
+      <a:fillRef idx="1">
+        <a:scrgbClr r="0" g="0" b="0"/>
+      </a:fillRef>
+      <a:effectRef idx="0">
+        <a:scrgbClr r="0" g="0" b="0"/>
+      </a:effectRef>
+      <a:fontRef idx="minor"/>
+    </dgm:style>
+  </dgm:styleLbl>
+  <dgm:styleLbl name="alignImgPlace1">
+    <dgm:scene3d>
+      <a:camera prst="orthographicFront"/>
+      <a:lightRig rig="threePt" dir="t"/>
+    </dgm:scene3d>
+    <dgm:sp3d/>
+    <dgm:txPr/>
+    <dgm:style>
+      <a:lnRef idx="2">
+        <a:scrgbClr r="0" g="0" b="0"/>
+      </a:lnRef>
+      <a:fillRef idx="1">
+        <a:scrgbClr r="0" g="0" b="0"/>
+      </a:fillRef>
+      <a:effectRef idx="0">
+        <a:scrgbClr r="0" g="0" b="0"/>
+      </a:effectRef>
+      <a:fontRef idx="minor"/>
+    </dgm:style>
+  </dgm:styleLbl>
+  <dgm:styleLbl name="bgImgPlace1">
+    <dgm:scene3d>
+      <a:camera prst="orthographicFront"/>
+      <a:lightRig rig="threePt" dir="t"/>
+    </dgm:scene3d>
+    <dgm:sp3d/>
+    <dgm:txPr/>
+    <dgm:style>
+      <a:lnRef idx="2">
+        <a:scrgbClr r="0" g="0" b="0"/>
+      </a:lnRef>
+      <a:fillRef idx="1">
+        <a:scrgbClr r="0" g="0" b="0"/>
+      </a:fillRef>
+      <a:effectRef idx="0">
+        <a:scrgbClr r="0" g="0" b="0"/>
+      </a:effectRef>
+      <a:fontRef idx="minor"/>
+    </dgm:style>
+  </dgm:styleLbl>
+  <dgm:styleLbl name="sibTrans2D1">
+    <dgm:scene3d>
+      <a:camera prst="orthographicFront"/>
+      <a:lightRig rig="threePt" dir="t"/>
+    </dgm:scene3d>
+    <dgm:sp3d/>
+    <dgm:txPr/>
+    <dgm:style>
+      <a:lnRef idx="0">
+        <a:scrgbClr r="0" g="0" b="0"/>
+      </a:lnRef>
+      <a:fillRef idx="1">
+        <a:scrgbClr r="0" g="0" b="0"/>
+      </a:fillRef>
+      <a:effectRef idx="0">
+        <a:scrgbClr r="0" g="0" b="0"/>
+      </a:effectRef>
+      <a:fontRef idx="minor">
+        <a:schemeClr val="lt1"/>
+      </a:fontRef>
+    </dgm:style>
+  </dgm:styleLbl>
+  <dgm:styleLbl name="fgSibTrans2D1">
+    <dgm:scene3d>
+      <a:camera prst="orthographicFront"/>
+      <a:lightRig rig="threePt" dir="t"/>
+    </dgm:scene3d>
+    <dgm:sp3d/>
+    <dgm:txPr/>
+    <dgm:style>
+      <a:lnRef idx="0">
+        <a:scrgbClr r="0" g="0" b="0"/>
+      </a:lnRef>
+      <a:fillRef idx="1">
+        <a:scrgbClr r="0" g="0" b="0"/>
+      </a:fillRef>
+      <a:effectRef idx="0">
+        <a:scrgbClr r="0" g="0" b="0"/>
+      </a:effectRef>
+      <a:fontRef idx="minor">
+        <a:schemeClr val="lt1"/>
+      </a:fontRef>
+    </dgm:style>
+  </dgm:styleLbl>
+  <dgm:styleLbl name="bgSibTrans2D1">
+    <dgm:scene3d>
+      <a:camera prst="orthographicFront"/>
+      <a:lightRig rig="threePt" dir="t"/>
+    </dgm:scene3d>
+    <dgm:sp3d/>
+    <dgm:txPr/>
+    <dgm:style>
+      <a:lnRef idx="0">
+        <a:scrgbClr r="0" g="0" b="0"/>
+      </a:lnRef>
+      <a:fillRef idx="1">
+        <a:scrgbClr r="0" g="0" b="0"/>
+      </a:fillRef>
+      <a:effectRef idx="0">
+        <a:scrgbClr r="0" g="0" b="0"/>
+      </a:effectRef>
+      <a:fontRef idx="minor">
+        <a:schemeClr val="lt1"/>
+      </a:fontRef>
+    </dgm:style>
+  </dgm:styleLbl>
+  <dgm:styleLbl name="sibTrans1D1">
+    <dgm:scene3d>
+      <a:camera prst="orthographicFront"/>
+      <a:lightRig rig="threePt" dir="t"/>
+    </dgm:scene3d>
+    <dgm:sp3d/>
+    <dgm:txPr/>
+    <dgm:style>
+      <a:lnRef idx="1">
+        <a:scrgbClr r="0" g="0" b="0"/>
+      </a:lnRef>
+      <a:fillRef idx="0">
+        <a:scrgbClr r="0" g="0" b="0"/>
+      </a:fillRef>
+      <a:effectRef idx="0">
+        <a:scrgbClr r="0" g="0" b="0"/>
+      </a:effectRef>
+      <a:fontRef idx="minor"/>
+    </dgm:style>
+  </dgm:styleLbl>
+  <dgm:styleLbl name="callout">
+    <dgm:scene3d>
+      <a:camera prst="orthographicFront"/>
+      <a:lightRig rig="threePt" dir="t"/>
+    </dgm:scene3d>
+    <dgm:sp3d/>
+    <dgm:txPr/>
+    <dgm:style>
+      <a:lnRef idx="2">
+        <a:scrgbClr r="0" g="0" b="0"/>
+      </a:lnRef>
+      <a:fillRef idx="1">
+        <a:scrgbClr r="0" g="0" b="0"/>
+      </a:fillRef>
+      <a:effectRef idx="0">
+        <a:scrgbClr r="0" g="0" b="0"/>
+      </a:effectRef>
+      <a:fontRef idx="minor"/>
+    </dgm:style>
+  </dgm:styleLbl>
+  <dgm:styleLbl name="asst0">
+    <dgm:scene3d>
+      <a:camera prst="orthographicFront"/>
+      <a:lightRig rig="threePt" dir="t"/>
+    </dgm:scene3d>
+    <dgm:sp3d/>
+    <dgm:txPr/>
+    <dgm:style>
+      <a:lnRef idx="2">
+        <a:scrgbClr r="0" g="0" b="0"/>
+      </a:lnRef>
+      <a:fillRef idx="1">
+        <a:scrgbClr r="0" g="0" b="0"/>
+      </a:fillRef>
+      <a:effectRef idx="0">
+        <a:scrgbClr r="0" g="0" b="0"/>
+      </a:effectRef>
+      <a:fontRef idx="minor">
+        <a:schemeClr val="lt1"/>
+      </a:fontRef>
+    </dgm:style>
+  </dgm:styleLbl>
+  <dgm:styleLbl name="asst1">
+    <dgm:scene3d>
+      <a:camera prst="orthographicFront"/>
+      <a:lightRig rig="threePt" dir="t"/>
+    </dgm:scene3d>
+    <dgm:sp3d/>
+    <dgm:txPr/>
+    <dgm:style>
+      <a:lnRef idx="2">
+        <a:scrgbClr r="0" g="0" b="0"/>
+      </a:lnRef>
+      <a:fillRef idx="1">
+        <a:scrgbClr r="0" g="0" b="0"/>
+      </a:fillRef>
+      <a:effectRef idx="0">
+        <a:scrgbClr r="0" g="0" b="0"/>
+      </a:effectRef>
+      <a:fontRef idx="minor">
+        <a:schemeClr val="lt1"/>
+      </a:fontRef>
+    </dgm:style>
+  </dgm:styleLbl>
+  <dgm:styleLbl name="asst2">
+    <dgm:scene3d>
+      <a:camera prst="orthographicFront"/>
+      <a:lightRig rig="threePt" dir="t"/>
+    </dgm:scene3d>
+    <dgm:sp3d/>
+    <dgm:txPr/>
+    <dgm:style>
+      <a:lnRef idx="2">
+        <a:scrgbClr r="0" g="0" b="0"/>
+      </a:lnRef>
+      <a:fillRef idx="1">
+        <a:scrgbClr r="0" g="0" b="0"/>
+      </a:fillRef>
+      <a:effectRef idx="0">
+        <a:scrgbClr r="0" g="0" b="0"/>
+      </a:effectRef>
+      <a:fontRef idx="minor">
+        <a:schemeClr val="lt1"/>
+      </a:fontRef>
+    </dgm:style>
+  </dgm:styleLbl>
+  <dgm:styleLbl name="asst3">
+    <dgm:scene3d>
+      <a:camera prst="orthographicFront"/>
+      <a:lightRig rig="threePt" dir="t"/>
+    </dgm:scene3d>
+    <dgm:sp3d/>
+    <dgm:txPr/>
+    <dgm:style>
+      <a:lnRef idx="2">
+        <a:scrgbClr r="0" g="0" b="0"/>
+      </a:lnRef>
+      <a:fillRef idx="1">
+        <a:scrgbClr r="0" g="0" b="0"/>
+      </a:fillRef>
+      <a:effectRef idx="0">
+        <a:scrgbClr r="0" g="0" b="0"/>
+      </a:effectRef>
+      <a:fontRef idx="minor">
+        <a:schemeClr val="lt1"/>
+      </a:fontRef>
+    </dgm:style>
+  </dgm:styleLbl>
+  <dgm:styleLbl name="asst4">
+    <dgm:scene3d>
+      <a:camera prst="orthographicFront"/>
+      <a:lightRig rig="threePt" dir="t"/>
+    </dgm:scene3d>
+    <dgm:sp3d/>
+    <dgm:txPr/>
+    <dgm:style>
+      <a:lnRef idx="2">
+        <a:scrgbClr r="0" g="0" b="0"/>
+      </a:lnRef>
+      <a:fillRef idx="1">
+        <a:scrgbClr r="0" g="0" b="0"/>
+      </a:fillRef>
+      <a:effectRef idx="0">
+        <a:scrgbClr r="0" g="0" b="0"/>
+      </a:effectRef>
+      <a:fontRef idx="minor">
+        <a:schemeClr val="lt1"/>
+      </a:fontRef>
+    </dgm:style>
+  </dgm:styleLbl>
+  <dgm:styleLbl name="parChTrans2D1">
+    <dgm:scene3d>
+      <a:camera prst="orthographicFront"/>
+      <a:lightRig rig="threePt" dir="t"/>
+    </dgm:scene3d>
+    <dgm:sp3d/>
+    <dgm:txPr/>
+    <dgm:style>
+      <a:lnRef idx="2">
+        <a:scrgbClr r="0" g="0" b="0"/>
+      </a:lnRef>
+      <a:fillRef idx="1">
+        <a:scrgbClr r="0" g="0" b="0"/>
+      </a:fillRef>
+      <a:effectRef idx="0">
+        <a:scrgbClr r="0" g="0" b="0"/>
+      </a:effectRef>
+      <a:fontRef idx="minor">
+        <a:schemeClr val="lt1"/>
+      </a:fontRef>
+    </dgm:style>
+  </dgm:styleLbl>
+  <dgm:styleLbl name="parChTrans2D2">
+    <dgm:scene3d>
+      <a:camera prst="orthographicFront"/>
+      <a:lightRig rig="threePt" dir="t"/>
+    </dgm:scene3d>
+    <dgm:sp3d/>
+    <dgm:txPr/>
+    <dgm:style>
+      <a:lnRef idx="2">
+        <a:scrgbClr r="0" g="0" b="0"/>
+      </a:lnRef>
+      <a:fillRef idx="1">
+        <a:scrgbClr r="0" g="0" b="0"/>
+      </a:fillRef>
+      <a:effectRef idx="0">
+        <a:scrgbClr r="0" g="0" b="0"/>
+      </a:effectRef>
+      <a:fontRef idx="minor">
+        <a:schemeClr val="lt1"/>
+      </a:fontRef>
+    </dgm:style>
+  </dgm:styleLbl>
+  <dgm:styleLbl name="parChTrans2D3">
+    <dgm:scene3d>
+      <a:camera prst="orthographicFront"/>
+      <a:lightRig rig="threePt" dir="t"/>
+    </dgm:scene3d>
+    <dgm:sp3d/>
+    <dgm:txPr/>
+    <dgm:style>
+      <a:lnRef idx="2">
+        <a:scrgbClr r="0" g="0" b="0"/>
+      </a:lnRef>
+      <a:fillRef idx="1">
+        <a:scrgbClr r="0" g="0" b="0"/>
+      </a:fillRef>
+      <a:effectRef idx="0">
+        <a:scrgbClr r="0" g="0" b="0"/>
+      </a:effectRef>
+      <a:fontRef idx="minor">
+        <a:schemeClr val="lt1"/>
+      </a:fontRef>
+    </dgm:style>
+  </dgm:styleLbl>
+  <dgm:styleLbl name="parChTrans2D4">
+    <dgm:scene3d>
+      <a:camera prst="orthographicFront"/>
+      <a:lightRig rig="threePt" dir="t"/>
+    </dgm:scene3d>
+    <dgm:sp3d/>
+    <dgm:txPr/>
+    <dgm:style>
+      <a:lnRef idx="2">
+        <a:scrgbClr r="0" g="0" b="0"/>
+      </a:lnRef>
+      <a:fillRef idx="1">
+        <a:scrgbClr r="0" g="0" b="0"/>
+      </a:fillRef>
+      <a:effectRef idx="0">
+        <a:scrgbClr r="0" g="0" b="0"/>
+      </a:effectRef>
+      <a:fontRef idx="minor">
+        <a:schemeClr val="lt1"/>
+      </a:fontRef>
+    </dgm:style>
+  </dgm:styleLbl>
+  <dgm:styleLbl name="parChTrans1D1">
+    <dgm:scene3d>
+      <a:camera prst="orthographicFront"/>
+      <a:lightRig rig="threePt" dir="t"/>
+    </dgm:scene3d>
+    <dgm:sp3d/>
+    <dgm:txPr/>
+    <dgm:style>
+      <a:lnRef idx="2">
+        <a:scrgbClr r="0" g="0" b="0"/>
+      </a:lnRef>
+      <a:fillRef idx="0">
+        <a:scrgbClr r="0" g="0" b="0"/>
+      </a:fillRef>
+      <a:effectRef idx="0">
+        <a:scrgbClr r="0" g="0" b="0"/>
+      </a:effectRef>
+      <a:fontRef idx="minor"/>
+    </dgm:style>
+  </dgm:styleLbl>
+  <dgm:styleLbl name="parChTrans1D2">
+    <dgm:scene3d>
+      <a:camera prst="orthographicFront"/>
+      <a:lightRig rig="threePt" dir="t"/>
+    </dgm:scene3d>
+    <dgm:sp3d/>
+    <dgm:txPr/>
+    <dgm:style>
+      <a:lnRef idx="2">
+        <a:scrgbClr r="0" g="0" b="0"/>
+      </a:lnRef>
+      <a:fillRef idx="0">
+        <a:scrgbClr r="0" g="0" b="0"/>
+      </a:fillRef>
+      <a:effectRef idx="0">
+        <a:scrgbClr r="0" g="0" b="0"/>
+      </a:effectRef>
+      <a:fontRef idx="minor"/>
+    </dgm:style>
+  </dgm:styleLbl>
+  <dgm:styleLbl name="parChTrans1D3">
+    <dgm:scene3d>
+      <a:camera prst="orthographicFront"/>
+      <a:lightRig rig="threePt" dir="t"/>
+    </dgm:scene3d>
+    <dgm:sp3d/>
+    <dgm:txPr/>
+    <dgm:style>
+      <a:lnRef idx="2">
+        <a:scrgbClr r="0" g="0" b="0"/>
+      </a:lnRef>
+      <a:fillRef idx="0">
+        <a:scrgbClr r="0" g="0" b="0"/>
+      </a:fillRef>
+      <a:effectRef idx="0">
+        <a:scrgbClr r="0" g="0" b="0"/>
+      </a:effectRef>
+      <a:fontRef idx="minor"/>
+    </dgm:style>
+  </dgm:styleLbl>
+  <dgm:styleLbl name="parChTrans1D4">
+    <dgm:scene3d>
+      <a:camera prst="orthographicFront"/>
+      <a:lightRig rig="threePt" dir="t"/>
+    </dgm:scene3d>
+    <dgm:sp3d/>
+    <dgm:txPr/>
+    <dgm:style>
+      <a:lnRef idx="2">
+        <a:scrgbClr r="0" g="0" b="0"/>
+      </a:lnRef>
+      <a:fillRef idx="0">
+        <a:scrgbClr r="0" g="0" b="0"/>
+      </a:fillRef>
+      <a:effectRef idx="0">
+        <a:scrgbClr r="0" g="0" b="0"/>
+      </a:effectRef>
+      <a:fontRef idx="minor"/>
+    </dgm:style>
+  </dgm:styleLbl>
+  <dgm:styleLbl name="fgAcc1">
+    <dgm:scene3d>
+      <a:camera prst="orthographicFront"/>
+      <a:lightRig rig="threePt" dir="t"/>
+    </dgm:scene3d>
+    <dgm:sp3d/>
+    <dgm:txPr/>
+    <dgm:style>
+      <a:lnRef idx="2">
+        <a:scrgbClr r="0" g="0" b="0"/>
+      </a:lnRef>
+      <a:fillRef idx="1">
+        <a:scrgbClr r="0" g="0" b="0"/>
+      </a:fillRef>
+      <a:effectRef idx="0">
+        <a:scrgbClr r="0" g="0" b="0"/>
+      </a:effectRef>
+      <a:fontRef idx="minor"/>
+    </dgm:style>
+  </dgm:styleLbl>
+  <dgm:styleLbl name="conFgAcc1">
+    <dgm:scene3d>
+      <a:camera prst="orthographicFront"/>
+      <a:lightRig rig="threePt" dir="t"/>
+    </dgm:scene3d>
+    <dgm:sp3d/>
+    <dgm:txPr/>
+    <dgm:style>
+      <a:lnRef idx="2">
+        <a:scrgbClr r="0" g="0" b="0"/>
+      </a:lnRef>
+      <a:fillRef idx="1">
+        <a:scrgbClr r="0" g="0" b="0"/>
+      </a:fillRef>
+      <a:effectRef idx="0">
+        <a:scrgbClr r="0" g="0" b="0"/>
+      </a:effectRef>
+      <a:fontRef idx="minor"/>
+    </dgm:style>
+  </dgm:styleLbl>
+  <dgm:styleLbl name="alignAcc1">
+    <dgm:scene3d>
+      <a:camera prst="orthographicFront"/>
+      <a:lightRig rig="threePt" dir="t"/>
+    </dgm:scene3d>
+    <dgm:sp3d/>
+    <dgm:txPr/>
+    <dgm:style>
+      <a:lnRef idx="2">
+        <a:scrgbClr r="0" g="0" b="0"/>
+      </a:lnRef>
+      <a:fillRef idx="1">
+        <a:scrgbClr r="0" g="0" b="0"/>
+      </a:fillRef>
+      <a:effectRef idx="0">
+        <a:scrgbClr r="0" g="0" b="0"/>
+      </a:effectRef>
+      <a:fontRef idx="minor"/>
+    </dgm:style>
+  </dgm:styleLbl>
+  <dgm:styleLbl name="trAlignAcc1">
+    <dgm:scene3d>
+      <a:camera prst="orthographicFront"/>
+      <a:lightRig rig="threePt" dir="t"/>
+    </dgm:scene3d>
+    <dgm:sp3d/>
+    <dgm:txPr/>
+    <dgm:style>
+      <a:lnRef idx="1">
+        <a:scrgbClr r="0" g="0" b="0"/>
+      </a:lnRef>
+      <a:fillRef idx="1">
+        <a:scrgbClr r="0" g="0" b="0"/>
+      </a:fillRef>
+      <a:effectRef idx="0">
+        <a:scrgbClr r="0" g="0" b="0"/>
+      </a:effectRef>
+      <a:fontRef idx="minor"/>
+    </dgm:style>
+  </dgm:styleLbl>
+  <dgm:styleLbl name="bgAcc1">
+    <dgm:scene3d>
+      <a:camera prst="orthographicFront"/>
+      <a:lightRig rig="threePt" dir="t"/>
+    </dgm:scene3d>
+    <dgm:sp3d/>
+    <dgm:txPr/>
+    <dgm:style>
+      <a:lnRef idx="2">
+        <a:scrgbClr r="0" g="0" b="0"/>
+      </a:lnRef>
+      <a:fillRef idx="1">
+        <a:scrgbClr r="0" g="0" b="0"/>
+      </a:fillRef>
+      <a:effectRef idx="0">
+        <a:scrgbClr r="0" g="0" b="0"/>
+      </a:effectRef>
+      <a:fontRef idx="minor"/>
+    </dgm:style>
+  </dgm:styleLbl>
+  <dgm:styleLbl name="solidFgAcc1">
+    <dgm:scene3d>
+      <a:camera prst="orthographicFront"/>
+      <a:lightRig rig="threePt" dir="t"/>
+    </dgm:scene3d>
+    <dgm:sp3d/>
+    <dgm:txPr/>
+    <dgm:style>
+      <a:lnRef idx="2">
+        <a:scrgbClr r="0" g="0" b="0"/>
+      </a:lnRef>
+      <a:fillRef idx="1">
+        <a:scrgbClr r="0" g="0" b="0"/>
+      </a:fillRef>
+      <a:effectRef idx="0">
+        <a:scrgbClr r="0" g="0" b="0"/>
+      </a:effectRef>
+      <a:fontRef idx="minor"/>
+    </dgm:style>
+  </dgm:styleLbl>
+  <dgm:styleLbl name="solidAlignAcc1">
+    <dgm:scene3d>
+      <a:camera prst="orthographicFront"/>
+      <a:lightRig rig="threePt" dir="t"/>
+    </dgm:scene3d>
+    <dgm:sp3d/>
+    <dgm:txPr/>
+    <dgm:style>
+      <a:lnRef idx="2">
+        <a:scrgbClr r="0" g="0" b="0"/>
+      </a:lnRef>
+      <a:fillRef idx="1">
+        <a:scrgbClr r="0" g="0" b="0"/>
+      </a:fillRef>
+      <a:effectRef idx="0">
+        <a:scrgbClr r="0" g="0" b="0"/>
+      </a:effectRef>
+      <a:fontRef idx="minor"/>
+    </dgm:style>
+  </dgm:styleLbl>
+  <dgm:styleLbl name="solidBgAcc1">
+    <dgm:scene3d>
+      <a:camera prst="orthographicFront"/>
+      <a:lightRig rig="threePt" dir="t"/>
+    </dgm:scene3d>
+    <dgm:sp3d/>
+    <dgm:txPr/>
+    <dgm:style>
+      <a:lnRef idx="2">
+        <a:scrgbClr r="0" g="0" b="0"/>
+      </a:lnRef>
+      <a:fillRef idx="1">
+        <a:scrgbClr r="0" g="0" b="0"/>
+      </a:fillRef>
+      <a:effectRef idx="0">
+        <a:scrgbClr r="0" g="0" b="0"/>
+      </a:effectRef>
+      <a:fontRef idx="minor"/>
+    </dgm:style>
+  </dgm:styleLbl>
+  <dgm:styleLbl name="fgAccFollowNode1">
+    <dgm:scene3d>
+      <a:camera prst="orthographicFront"/>
+      <a:lightRig rig="threePt" dir="t"/>
+    </dgm:scene3d>
+    <dgm:sp3d/>
+    <dgm:txPr/>
+    <dgm:style>
+      <a:lnRef idx="2">
+        <a:scrgbClr r="0" g="0" b="0"/>
+      </a:lnRef>
+      <a:fillRef idx="1">
+        <a:scrgbClr r="0" g="0" b="0"/>
+      </a:fillRef>
+      <a:effectRef idx="0">
+        <a:scrgbClr r="0" g="0" b="0"/>
+      </a:effectRef>
+      <a:fontRef idx="minor"/>
+    </dgm:style>
+  </dgm:styleLbl>
+  <dgm:styleLbl name="alignAccFollowNode1">
+    <dgm:scene3d>
+      <a:camera prst="orthographicFront"/>
+      <a:lightRig rig="threePt" dir="t"/>
+    </dgm:scene3d>
+    <dgm:sp3d/>
+    <dgm:txPr/>
+    <dgm:style>
+      <a:lnRef idx="2">
+        <a:scrgbClr r="0" g="0" b="0"/>
+      </a:lnRef>
+      <a:fillRef idx="1">
+        <a:scrgbClr r="0" g="0" b="0"/>
+      </a:fillRef>
+      <a:effectRef idx="0">
+        <a:scrgbClr r="0" g="0" b="0"/>
+      </a:effectRef>
+      <a:fontRef idx="minor"/>
+    </dgm:style>
+  </dgm:styleLbl>
+  <dgm:styleLbl name="bgAccFollowNode1">
+    <dgm:scene3d>
+      <a:camera prst="orthographicFront"/>
+      <a:lightRig rig="threePt" dir="t"/>
+    </dgm:scene3d>
+    <dgm:sp3d/>
+    <dgm:txPr/>
+    <dgm:style>
+      <a:lnRef idx="2">
+        <a:scrgbClr r="0" g="0" b="0"/>
+      </a:lnRef>
+      <a:fillRef idx="1">
+        <a:scrgbClr r="0" g="0" b="0"/>
+      </a:fillRef>
+      <a:effectRef idx="0">
+        <a:scrgbClr r="0" g="0" b="0"/>
+      </a:effectRef>
+      <a:fontRef idx="minor"/>
+    </dgm:style>
+  </dgm:styleLbl>
+  <dgm:styleLbl name="fgAcc0">
+    <dgm:scene3d>
+      <a:camera prst="orthographicFront"/>
+      <a:lightRig rig="threePt" dir="t"/>
+    </dgm:scene3d>
+    <dgm:sp3d/>
+    <dgm:txPr/>
+    <dgm:style>
+      <a:lnRef idx="2">
+        <a:scrgbClr r="0" g="0" b="0"/>
+      </a:lnRef>
+      <a:fillRef idx="1">
+        <a:scrgbClr r="0" g="0" b="0"/>
+      </a:fillRef>
+      <a:effectRef idx="0">
+        <a:scrgbClr r="0" g="0" b="0"/>
+      </a:effectRef>
+      <a:fontRef idx="minor"/>
+    </dgm:style>
+  </dgm:styleLbl>
+  <dgm:styleLbl name="fgAcc2">
+    <dgm:scene3d>
+      <a:camera prst="orthographicFront"/>
+      <a:lightRig rig="threePt" dir="t"/>
+    </dgm:scene3d>
+    <dgm:sp3d/>
+    <dgm:txPr/>
+    <dgm:style>
+      <a:lnRef idx="2">
+        <a:scrgbClr r="0" g="0" b="0"/>
+      </a:lnRef>
+      <a:fillRef idx="1">
+        <a:scrgbClr r="0" g="0" b="0"/>
+      </a:fillRef>
+      <a:effectRef idx="0">
+        <a:scrgbClr r="0" g="0" b="0"/>
+      </a:effectRef>
+      <a:fontRef idx="minor"/>
+    </dgm:style>
+  </dgm:styleLbl>
+  <dgm:styleLbl name="fgAcc3">
+    <dgm:scene3d>
+      <a:camera prst="orthographicFront"/>
+      <a:lightRig rig="threePt" dir="t"/>
+    </dgm:scene3d>
+    <dgm:sp3d/>
+    <dgm:txPr/>
+    <dgm:style>
+      <a:lnRef idx="2">
+        <a:scrgbClr r="0" g="0" b="0"/>
+      </a:lnRef>
+      <a:fillRef idx="1">
+        <a:scrgbClr r="0" g="0" b="0"/>
+      </a:fillRef>
+      <a:effectRef idx="0">
+        <a:scrgbClr r="0" g="0" b="0"/>
+      </a:effectRef>
+      <a:fontRef idx="minor"/>
+    </dgm:style>
+  </dgm:styleLbl>
+  <dgm:styleLbl name="fgAcc4">
+    <dgm:scene3d>
+      <a:camera prst="orthographicFront"/>
+      <a:lightRig rig="threePt" dir="t"/>
+    </dgm:scene3d>
+    <dgm:sp3d/>
+    <dgm:txPr/>
+    <dgm:style>
+      <a:lnRef idx="2">
+        <a:scrgbClr r="0" g="0" b="0"/>
+      </a:lnRef>
+      <a:fillRef idx="1">
+        <a:scrgbClr r="0" g="0" b="0"/>
+      </a:fillRef>
+      <a:effectRef idx="0">
+        <a:scrgbClr r="0" g="0" b="0"/>
+      </a:effectRef>
+      <a:fontRef idx="minor"/>
+    </dgm:style>
+  </dgm:styleLbl>
+  <dgm:styleLbl name="bgShp">
+    <dgm:scene3d>
+      <a:camera prst="orthographicFront"/>
+      <a:lightRig rig="threePt" dir="t"/>
+    </dgm:scene3d>
+    <dgm:sp3d/>
+    <dgm:txPr/>
+    <dgm:style>
+      <a:lnRef idx="0">
+        <a:scrgbClr r="0" g="0" b="0"/>
+      </a:lnRef>
+      <a:fillRef idx="1">
+        <a:scrgbClr r="0" g="0" b="0"/>
+      </a:fillRef>
+      <a:effectRef idx="0">
+        <a:scrgbClr r="0" g="0" b="0"/>
+      </a:effectRef>
+      <a:fontRef idx="minor"/>
+    </dgm:style>
+  </dgm:styleLbl>
+  <dgm:styleLbl name="dkBgShp">
+    <dgm:scene3d>
+      <a:camera prst="orthographicFront"/>
+      <a:lightRig rig="threePt" dir="t"/>
+    </dgm:scene3d>
+    <dgm:sp3d/>
+    <dgm:txPr/>
+    <dgm:style>
+      <a:lnRef idx="0">
+        <a:scrgbClr r="0" g="0" b="0"/>
+      </a:lnRef>
+      <a:fillRef idx="1">
+        <a:scrgbClr r="0" g="0" b="0"/>
+      </a:fillRef>
+      <a:effectRef idx="0">
+        <a:scrgbClr r="0" g="0" b="0"/>
+      </a:effectRef>
+      <a:fontRef idx="minor"/>
+    </dgm:style>
+  </dgm:styleLbl>
+  <dgm:styleLbl name="trBgShp">
+    <dgm:scene3d>
+      <a:camera prst="orthographicFront"/>
+      <a:lightRig rig="threePt" dir="t"/>
+    </dgm:scene3d>
+    <dgm:sp3d/>
+    <dgm:txPr/>
+    <dgm:style>
+      <a:lnRef idx="0">
+        <a:scrgbClr r="0" g="0" b="0"/>
+      </a:lnRef>
+      <a:fillRef idx="1">
+        <a:scrgbClr r="0" g="0" b="0"/>
+      </a:fillRef>
+      <a:effectRef idx="0">
+        <a:scrgbClr r="0" g="0" b="0"/>
+      </a:effectRef>
+      <a:fontRef idx="minor"/>
+    </dgm:style>
+  </dgm:styleLbl>
+  <dgm:styleLbl name="fgShp">
+    <dgm:scene3d>
+      <a:camera prst="orthographicFront"/>
+      <a:lightRig rig="threePt" dir="t"/>
+    </dgm:scene3d>
+    <dgm:sp3d/>
+    <dgm:txPr/>
+    <dgm:style>
+      <a:lnRef idx="2">
+        <a:scrgbClr r="0" g="0" b="0"/>
+      </a:lnRef>
+      <a:fillRef idx="1">
+        <a:scrgbClr r="0" g="0" b="0"/>
+      </a:fillRef>
+      <a:effectRef idx="0">
+        <a:scrgbClr r="0" g="0" b="0"/>
+      </a:effectRef>
+      <a:fontRef idx="minor"/>
+    </dgm:style>
+  </dgm:styleLbl>
+  <dgm:styleLbl name="revTx">
+    <dgm:scene3d>
+      <a:camera prst="orthographicFront"/>
+      <a:lightRig rig="threePt" dir="t"/>
+    </dgm:scene3d>
+    <dgm:sp3d/>
+    <dgm:txPr/>
+    <dgm:style>
+      <a:lnRef idx="0">
+        <a:scrgbClr r="0" g="0" b="0"/>
+      </a:lnRef>
+      <a:fillRef idx="0">
+        <a:scrgbClr r="0" g="0" b="0"/>
+      </a:fillRef>
+      <a:effectRef idx="0">
+        <a:scrgbClr r="0" g="0" b="0"/>
+      </a:effectRef>
+      <a:fontRef idx="minor"/>
+    </dgm:style>
+  </dgm:styleLbl>
+</dgm:styleDef>
+</file>
+
+<file path=ppt/diagrams/quickStyle3.xml><?xml version="1.0" encoding="utf-8"?>
 <dgm:styleDef xmlns:dgm="http://schemas.openxmlformats.org/drawingml/2006/diagram" xmlns:a="http://schemas.openxmlformats.org/drawingml/2006/main" uniqueId="urn:microsoft.com/office/officeart/2005/8/quickstyle/simple1">
   <dgm:title val=""/>
   <dgm:desc val=""/>
@@ -12964,6 +16615,14 @@
 <file path=ppt/slides/slide5.xml><?xml version="1.0" encoding="utf-8"?>
 <p:sld xmlns:a="http://schemas.openxmlformats.org/drawingml/2006/main" xmlns:r="http://schemas.openxmlformats.org/officeDocument/2006/relationships" xmlns:p="http://schemas.openxmlformats.org/presentationml/2006/main">
   <p:cSld>
+    <p:bg>
+      <p:bgPr>
+        <a:solidFill>
+          <a:schemeClr val="bg1"/>
+        </a:solidFill>
+        <a:effectLst/>
+      </p:bgPr>
+    </p:bg>
     <p:spTree>
       <p:nvGrpSpPr>
         <p:cNvPr id="1" name=""/>
@@ -12978,6 +16637,129 @@
           <a:chExt cx="0" cy="0"/>
         </a:xfrm>
       </p:grpSpPr>
+      <p:sp useBgFill="1">
+        <p:nvSpPr>
+          <p:cNvPr id="19" name="Background Fill">
+            <a:extLst>
+              <a:ext uri="{FF2B5EF4-FFF2-40B4-BE49-F238E27FC236}">
+                <a16:creationId xmlns:a16="http://schemas.microsoft.com/office/drawing/2014/main" id="{B937640E-EF7A-4A6C-A950-D12B7D5C923E}"/>
+              </a:ext>
+              <a:ext uri="{C183D7F6-B498-43B3-948B-1728B52AA6E4}">
+                <adec:decorative xmlns:adec="http://schemas.microsoft.com/office/drawing/2017/decorative" val="1"/>
+              </a:ext>
+            </a:extLst>
+          </p:cNvPr>
+          <p:cNvSpPr>
+            <a:spLocks noGrp="1" noRot="1" noChangeAspect="1" noMove="1" noResize="1" noEditPoints="1" noAdjustHandles="1" noChangeArrowheads="1" noChangeShapeType="1" noTextEdit="1"/>
+          </p:cNvSpPr>
+          <p:nvPr>
+            <p:extLst>
+              <p:ext uri="{386F3935-93C4-4BCD-93E2-E3B085C9AB24}">
+                <p16:designElem xmlns:p16="http://schemas.microsoft.com/office/powerpoint/2015/main" val="1"/>
+              </p:ext>
+            </p:extLst>
+          </p:nvPr>
+        </p:nvSpPr>
+        <p:spPr>
+          <a:xfrm>
+            <a:off x="0" y="0"/>
+            <a:ext cx="12188952" cy="6858000"/>
+          </a:xfrm>
+          <a:prstGeom prst="rect">
+            <a:avLst/>
+          </a:prstGeom>
+          <a:ln>
+            <a:noFill/>
+          </a:ln>
+        </p:spPr>
+        <p:style>
+          <a:lnRef idx="2">
+            <a:schemeClr val="accent1">
+              <a:shade val="50000"/>
+            </a:schemeClr>
+          </a:lnRef>
+          <a:fillRef idx="1">
+            <a:schemeClr val="accent1"/>
+          </a:fillRef>
+          <a:effectRef idx="0">
+            <a:schemeClr val="accent1"/>
+          </a:effectRef>
+          <a:fontRef idx="minor">
+            <a:schemeClr val="lt1"/>
+          </a:fontRef>
+        </p:style>
+        <p:txBody>
+          <a:bodyPr rtlCol="0" anchor="ctr"/>
+          <a:lstStyle/>
+          <a:p>
+            <a:pPr algn="ctr"/>
+            <a:endParaRPr lang="en-US"/>
+          </a:p>
+        </p:txBody>
+      </p:sp>
+      <p:sp>
+        <p:nvSpPr>
+          <p:cNvPr id="20" name="Main Frame">
+            <a:extLst>
+              <a:ext uri="{FF2B5EF4-FFF2-40B4-BE49-F238E27FC236}">
+                <a16:creationId xmlns:a16="http://schemas.microsoft.com/office/drawing/2014/main" id="{8B3D301E-EEB6-4474-BFB1-FCD7A1F30371}"/>
+              </a:ext>
+              <a:ext uri="{C183D7F6-B498-43B3-948B-1728B52AA6E4}">
+                <adec:decorative xmlns:adec="http://schemas.microsoft.com/office/drawing/2017/decorative" val="1"/>
+              </a:ext>
+            </a:extLst>
+          </p:cNvPr>
+          <p:cNvSpPr>
+            <a:spLocks noGrp="1" noRot="1" noChangeAspect="1" noMove="1" noResize="1" noEditPoints="1" noAdjustHandles="1" noChangeArrowheads="1" noChangeShapeType="1" noTextEdit="1"/>
+          </p:cNvSpPr>
+          <p:nvPr>
+            <p:extLst>
+              <p:ext uri="{386F3935-93C4-4BCD-93E2-E3B085C9AB24}">
+                <p16:designElem xmlns:p16="http://schemas.microsoft.com/office/powerpoint/2015/main" val="1"/>
+              </p:ext>
+            </p:extLst>
+          </p:nvPr>
+        </p:nvSpPr>
+        <p:spPr>
+          <a:xfrm>
+            <a:off x="367744" y="334928"/>
+            <a:ext cx="11456511" cy="6188146"/>
+          </a:xfrm>
+          <a:prstGeom prst="rect">
+            <a:avLst/>
+          </a:prstGeom>
+          <a:noFill/>
+          <a:ln>
+            <a:solidFill>
+              <a:schemeClr val="tx1"/>
+            </a:solidFill>
+          </a:ln>
+        </p:spPr>
+        <p:style>
+          <a:lnRef idx="2">
+            <a:schemeClr val="accent1">
+              <a:shade val="50000"/>
+            </a:schemeClr>
+          </a:lnRef>
+          <a:fillRef idx="1">
+            <a:schemeClr val="accent1"/>
+          </a:fillRef>
+          <a:effectRef idx="0">
+            <a:schemeClr val="accent1"/>
+          </a:effectRef>
+          <a:fontRef idx="minor">
+            <a:schemeClr val="lt1"/>
+          </a:fontRef>
+        </p:style>
+        <p:txBody>
+          <a:bodyPr rtlCol="0" anchor="ctr"/>
+          <a:lstStyle/>
+          <a:p>
+            <a:pPr algn="ctr"/>
+            <a:endParaRPr lang="en-US"/>
+          </a:p>
+        </p:txBody>
+      </p:sp>
       <p:sp>
         <p:nvSpPr>
           <p:cNvPr id="2" name="Title 1">
@@ -12994,44 +16776,161 @@
             <p:ph type="title"/>
           </p:nvPr>
         </p:nvSpPr>
-        <p:spPr/>
+        <p:spPr>
+          <a:xfrm>
+            <a:off x="841248" y="810562"/>
+            <a:ext cx="9228866" cy="1067783"/>
+          </a:xfrm>
+        </p:spPr>
         <p:txBody>
-          <a:bodyPr/>
+          <a:bodyPr>
+            <a:normAutofit/>
+          </a:bodyPr>
           <a:lstStyle/>
           <a:p>
             <a:r>
-              <a:rPr lang="en-GB" dirty="0" err="1"/>
+              <a:rPr lang="en-GB"/>
               <a:t>Implementatie</a:t>
             </a:r>
             <a:endParaRPr lang="en-BE" dirty="0"/>
           </a:p>
         </p:txBody>
       </p:sp>
-      <p:sp>
-        <p:nvSpPr>
-          <p:cNvPr id="3" name="Content Placeholder 2">
+      <p:cxnSp>
+        <p:nvCxnSpPr>
+          <p:cNvPr id="21" name="Main Horizontal Connector">
             <a:extLst>
               <a:ext uri="{FF2B5EF4-FFF2-40B4-BE49-F238E27FC236}">
-                <a16:creationId xmlns:a16="http://schemas.microsoft.com/office/drawing/2014/main" id="{5744AF03-91E1-44A9-BD34-EDF82BEF6807}"/>
+                <a16:creationId xmlns:a16="http://schemas.microsoft.com/office/drawing/2014/main" id="{85F2753B-199B-4FF0-838F-41E8D058E953}"/>
+              </a:ext>
+              <a:ext uri="{C183D7F6-B498-43B3-948B-1728B52AA6E4}">
+                <adec:decorative xmlns:adec="http://schemas.microsoft.com/office/drawing/2017/decorative" val="1"/>
               </a:ext>
             </a:extLst>
           </p:cNvPr>
-          <p:cNvSpPr>
-            <a:spLocks noGrp="1"/>
-          </p:cNvSpPr>
+          <p:cNvCxnSpPr>
+            <a:cxnSpLocks noGrp="1" noRot="1" noChangeAspect="1" noMove="1" noResize="1" noEditPoints="1" noAdjustHandles="1" noChangeArrowheads="1" noChangeShapeType="1"/>
+          </p:cNvCxnSpPr>
+          <p:nvPr>
+            <p:extLst>
+              <p:ext uri="{386F3935-93C4-4BCD-93E2-E3B085C9AB24}">
+                <p16:designElem xmlns:p16="http://schemas.microsoft.com/office/powerpoint/2015/main" val="1"/>
+              </p:ext>
+            </p:extLst>
+          </p:nvPr>
+        </p:nvCxnSpPr>
+        <p:spPr>
+          <a:xfrm>
+            <a:off x="373060" y="6047437"/>
+            <a:ext cx="10375638" cy="0"/>
+          </a:xfrm>
+          <a:prstGeom prst="line">
+            <a:avLst/>
+          </a:prstGeom>
+          <a:ln w="12700">
+            <a:solidFill>
+              <a:schemeClr val="tx1"/>
+            </a:solidFill>
+          </a:ln>
+        </p:spPr>
+        <p:style>
+          <a:lnRef idx="1">
+            <a:schemeClr val="accent1"/>
+          </a:lnRef>
+          <a:fillRef idx="0">
+            <a:schemeClr val="accent1"/>
+          </a:fillRef>
+          <a:effectRef idx="0">
+            <a:schemeClr val="accent1"/>
+          </a:effectRef>
+          <a:fontRef idx="minor">
+            <a:schemeClr val="tx1"/>
+          </a:fontRef>
+        </p:style>
+      </p:cxnSp>
+      <p:cxnSp>
+        <p:nvCxnSpPr>
+          <p:cNvPr id="22" name="Main Vertical Connector">
+            <a:extLst>
+              <a:ext uri="{FF2B5EF4-FFF2-40B4-BE49-F238E27FC236}">
+                <a16:creationId xmlns:a16="http://schemas.microsoft.com/office/drawing/2014/main" id="{B0BDEAB7-0E83-4F55-90F4-098569F5A573}"/>
+              </a:ext>
+              <a:ext uri="{C183D7F6-B498-43B3-948B-1728B52AA6E4}">
+                <adec:decorative xmlns:adec="http://schemas.microsoft.com/office/drawing/2017/decorative" val="1"/>
+              </a:ext>
+            </a:extLst>
+          </p:cNvPr>
+          <p:cNvCxnSpPr>
+            <a:cxnSpLocks noGrp="1" noRot="1" noChangeAspect="1" noMove="1" noResize="1" noEditPoints="1" noAdjustHandles="1" noChangeArrowheads="1" noChangeShapeType="1"/>
+          </p:cNvCxnSpPr>
+          <p:nvPr>
+            <p:extLst>
+              <p:ext uri="{386F3935-93C4-4BCD-93E2-E3B085C9AB24}">
+                <p16:designElem xmlns:p16="http://schemas.microsoft.com/office/powerpoint/2015/main" val="1"/>
+              </p:ext>
+            </p:extLst>
+          </p:nvPr>
+        </p:nvCxnSpPr>
+        <p:spPr>
+          <a:xfrm>
+            <a:off x="10748698" y="334928"/>
+            <a:ext cx="0" cy="6188146"/>
+          </a:xfrm>
+          <a:prstGeom prst="line">
+            <a:avLst/>
+          </a:prstGeom>
+          <a:ln w="12700">
+            <a:solidFill>
+              <a:schemeClr val="tx1"/>
+            </a:solidFill>
+          </a:ln>
+        </p:spPr>
+        <p:style>
+          <a:lnRef idx="1">
+            <a:schemeClr val="accent1"/>
+          </a:lnRef>
+          <a:fillRef idx="0">
+            <a:schemeClr val="accent1"/>
+          </a:fillRef>
+          <a:effectRef idx="0">
+            <a:schemeClr val="accent1"/>
+          </a:effectRef>
+          <a:fontRef idx="minor">
+            <a:schemeClr val="tx1"/>
+          </a:fontRef>
+        </p:style>
+      </p:cxnSp>
+      <p:graphicFrame>
+        <p:nvGraphicFramePr>
+          <p:cNvPr id="23" name="Content Placeholder 2">
+            <a:extLst>
+              <a:ext uri="{FF2B5EF4-FFF2-40B4-BE49-F238E27FC236}">
+                <a16:creationId xmlns:a16="http://schemas.microsoft.com/office/drawing/2014/main" id="{3EFB4FA4-DD06-B942-F054-79E2860C798E}"/>
+              </a:ext>
+            </a:extLst>
+          </p:cNvPr>
+          <p:cNvGraphicFramePr>
+            <a:graphicFrameLocks noGrp="1"/>
+          </p:cNvGraphicFramePr>
           <p:nvPr>
             <p:ph idx="1"/>
+            <p:extLst>
+              <p:ext uri="{D42A27DB-BD31-4B8C-83A1-F6EECF244321}">
+                <p14:modId xmlns:p14="http://schemas.microsoft.com/office/powerpoint/2010/main" val="4052094661"/>
+              </p:ext>
+            </p:extLst>
           </p:nvPr>
-        </p:nvSpPr>
-        <p:spPr/>
-        <p:txBody>
-          <a:bodyPr/>
-          <a:lstStyle/>
-          <a:p>
-            <a:endParaRPr lang="en-BE" dirty="0"/>
-          </a:p>
-        </p:txBody>
-      </p:sp>
+        </p:nvGraphicFramePr>
+        <p:xfrm>
+          <a:off x="841375" y="2141538"/>
+          <a:ext cx="9228138" cy="3425825"/>
+        </p:xfrm>
+        <a:graphic>
+          <a:graphicData uri="http://schemas.openxmlformats.org/drawingml/2006/diagram">
+            <dgm:relIds xmlns:dgm="http://schemas.openxmlformats.org/drawingml/2006/diagram" xmlns:r="http://schemas.openxmlformats.org/officeDocument/2006/relationships" r:dm="rId2" r:lo="rId3" r:qs="rId4" r:cs="rId5"/>
+          </a:graphicData>
+        </a:graphic>
+      </p:graphicFrame>
     </p:spTree>
     <p:extLst>
       <p:ext uri="{BB962C8B-B14F-4D97-AF65-F5344CB8AC3E}">
